--- a/Docs/poster.pptx
+++ b/Docs/poster.pptx
@@ -2,13 +2,13 @@
 <file path=ppt/presentation.xml><?xml version="1.0" encoding="utf-8"?>
 <p:presentation xmlns:a="http://schemas.openxmlformats.org/drawingml/2006/main" xmlns:r="http://schemas.openxmlformats.org/officeDocument/2006/relationships" xmlns:p="http://schemas.openxmlformats.org/presentationml/2006/main" saveSubsetFonts="1">
   <p:sldMasterIdLst>
-    <p:sldMasterId id="2147483648" r:id="rId4"/>
+    <p:sldMasterId id="2147483648" r:id="rId1"/>
   </p:sldMasterIdLst>
   <p:notesMasterIdLst>
-    <p:notesMasterId r:id="rId6"/>
+    <p:notesMasterId r:id="rId3"/>
   </p:notesMasterIdLst>
   <p:sldIdLst>
-    <p:sldId id="256" r:id="rId5"/>
+    <p:sldId id="256" r:id="rId2"/>
   </p:sldIdLst>
   <p:sldSz cx="25201563" cy="35999738"/>
   <p:notesSz cx="6715125" cy="9239250"/>
@@ -3530,7 +3530,7 @@
         </p:nvSpPr>
         <p:spPr bwMode="auto">
           <a:xfrm>
-            <a:off x="12849225" y="6697663"/>
+            <a:off x="12849225" y="6831013"/>
             <a:ext cx="11857038" cy="28416250"/>
           </a:xfrm>
           <a:prstGeom prst="roundRect">
@@ -3678,7 +3678,7 @@
         </p:nvSpPr>
         <p:spPr bwMode="auto">
           <a:xfrm>
-            <a:off x="439737" y="6792640"/>
+            <a:off x="533520" y="6792640"/>
             <a:ext cx="11857038" cy="28417837"/>
           </a:xfrm>
           <a:prstGeom prst="roundRect">
@@ -3812,7 +3812,7 @@
           </a:lstStyle>
           <a:p>
             <a:pPr eaLnBrk="1" hangingPunct="1"/>
-            <a:endParaRPr lang="en-US" altLang="en-US"/>
+            <a:endParaRPr lang="en-US" altLang="en-US" dirty="0"/>
           </a:p>
         </p:txBody>
       </p:sp>
@@ -3826,8 +3826,8 @@
         </p:nvSpPr>
         <p:spPr bwMode="auto">
           <a:xfrm>
-            <a:off x="604838" y="8488363"/>
-            <a:ext cx="11434762" cy="4505544"/>
+            <a:off x="863338" y="8488363"/>
+            <a:ext cx="11434762" cy="4136212"/>
           </a:xfrm>
           <a:prstGeom prst="rect">
             <a:avLst/>
@@ -3969,16 +3969,36 @@
             </a:lvl9pPr>
           </a:lstStyle>
           <a:p>
-            <a:pPr algn="just"/>
+            <a:pPr algn="l"/>
+            <a:r>
+              <a:rPr lang="en-US" sz="2400" b="1" dirty="0">
+                <a:latin typeface="Times New Roman" panose="02020603050405020304" pitchFamily="18" charset="0"/>
+                <a:cs typeface="Times New Roman" panose="02020603050405020304" pitchFamily="18" charset="0"/>
+              </a:rPr>
+              <a:t>Do organizations face challenges when designing data warehouse schemas manually, especially in the era of big data? </a:t>
+            </a:r>
+          </a:p>
+          <a:p>
+            <a:pPr algn="l"/>
             <a:r>
               <a:rPr lang="en-US" sz="2400" dirty="0">
                 <a:latin typeface="Times New Roman" panose="02020603050405020304" pitchFamily="18" charset="0"/>
                 <a:cs typeface="Times New Roman" panose="02020603050405020304" pitchFamily="18" charset="0"/>
               </a:rPr>
-              <a:t>What challenges do organizations face in the era of big data when designing data warehouse schemas manually? The process is notoriously time-intensive, often spanning weeks, and prone to errors such as missing keys or inconsistent naming conventions, which can delay analytics and inflate costs. Industry trends show that 60% of organizations experience delays due to these bottlenecks, with 85% citing faster analytics delivery as a competitive necessity. </a:t>
-            </a:r>
-            <a:r>
-              <a:rPr lang="en-US" sz="2400" dirty="0" err="1">
+              <a:t>Indeed, Manual processes are time-consuming, error-prone, and difficult to scale—leading to delays and increased costs. Studies show that 60% of organizations face project slowdowns, while 85% view faster analytics delivery as a strategic priority.</a:t>
+            </a:r>
+          </a:p>
+          <a:p>
+            <a:pPr algn="l"/>
+            <a:r>
+              <a:rPr lang="en-US" sz="2400" b="1" dirty="0">
+                <a:latin typeface="Times New Roman" panose="02020603050405020304" pitchFamily="18" charset="0"/>
+                <a:cs typeface="Times New Roman" panose="02020603050405020304" pitchFamily="18" charset="0"/>
+              </a:rPr>
+              <a:t>How can these challenges be addressed? </a:t>
+            </a:r>
+            <a:r>
+              <a:rPr lang="en-US" sz="2400" b="1" dirty="0" err="1">
                 <a:latin typeface="Times New Roman" panose="02020603050405020304" pitchFamily="18" charset="0"/>
                 <a:cs typeface="Times New Roman" panose="02020603050405020304" pitchFamily="18" charset="0"/>
               </a:rPr>
@@ -3989,21 +4009,38 @@
                 <a:latin typeface="Times New Roman" panose="02020603050405020304" pitchFamily="18" charset="0"/>
                 <a:cs typeface="Times New Roman" panose="02020603050405020304" pitchFamily="18" charset="0"/>
               </a:rPr>
-              <a:t>, a groundbreaking tool developed by a team from Ain Shams University, tackles these issues by automating schema creation with AI and heuristics. How might this automation shift the paradigm from labor-intensive design to efficient, error-resistant workflows? This poster delves into </a:t>
-            </a:r>
-            <a:r>
-              <a:rPr lang="en-US" sz="2400" dirty="0" err="1">
+              <a:t> introduces an automated approach, leveraging AI, heuristic classification, and hybrid parsing to streamline schema generation, minimize errors, and accelerate delivery.</a:t>
+            </a:r>
+          </a:p>
+          <a:p>
+            <a:pPr algn="l"/>
+            <a:r>
+              <a:rPr lang="en-US" sz="2400" b="1" dirty="0">
                 <a:latin typeface="Times New Roman" panose="02020603050405020304" pitchFamily="18" charset="0"/>
                 <a:cs typeface="Times New Roman" panose="02020603050405020304" pitchFamily="18" charset="0"/>
               </a:rPr>
-              <a:t>DataForge’s</a:t>
+              <a:t>What are the broader implications? </a:t>
             </a:r>
             <a:r>
               <a:rPr lang="en-US" sz="2400" dirty="0">
                 <a:latin typeface="Times New Roman" panose="02020603050405020304" pitchFamily="18" charset="0"/>
                 <a:cs typeface="Times New Roman" panose="02020603050405020304" pitchFamily="18" charset="0"/>
               </a:rPr>
-              <a:t> innovative approach, integrating hybrid parsing, heuristic classification, and AI-driven enhancements to revolutionize data warehouse design, ultimately empowering data-driven decision-making across diverse sectors like retail, healthcare, and finance.</a:t>
+              <a:t>This poster explores how </a:t>
+            </a:r>
+            <a:r>
+              <a:rPr lang="en-US" sz="2400" b="1" dirty="0" err="1">
+                <a:latin typeface="Times New Roman" panose="02020603050405020304" pitchFamily="18" charset="0"/>
+                <a:cs typeface="Times New Roman" panose="02020603050405020304" pitchFamily="18" charset="0"/>
+              </a:rPr>
+              <a:t>DataForge</a:t>
+            </a:r>
+            <a:r>
+              <a:rPr lang="en-US" sz="2400" dirty="0">
+                <a:latin typeface="Times New Roman" panose="02020603050405020304" pitchFamily="18" charset="0"/>
+                <a:cs typeface="Times New Roman" panose="02020603050405020304" pitchFamily="18" charset="0"/>
+              </a:rPr>
+              <a:t> enhances efficiency and supports data-driven decision-making across key sectors such as finance, healthcare, and retail.</a:t>
             </a:r>
           </a:p>
         </p:txBody>
@@ -4018,8 +4055,8 @@
         </p:nvSpPr>
         <p:spPr bwMode="auto">
           <a:xfrm>
-            <a:off x="3499644" y="13654580"/>
-            <a:ext cx="5645150" cy="1123950"/>
+            <a:off x="3287713" y="12528274"/>
+            <a:ext cx="5645150" cy="1027669"/>
           </a:xfrm>
           <a:prstGeom prst="rect">
             <a:avLst/>
@@ -4167,7 +4204,10 @@
               </a:spcBef>
             </a:pPr>
             <a:r>
-              <a:rPr lang="en-US" altLang="en-US" b="1" dirty="0"/>
+              <a:rPr lang="en-US" altLang="en-US" sz="6200" b="1" dirty="0">
+                <a:latin typeface="Times New Roman" panose="02020603050405020304" pitchFamily="18" charset="0"/>
+                <a:cs typeface="Times New Roman" panose="02020603050405020304" pitchFamily="18" charset="0"/>
+              </a:rPr>
               <a:t>Methods</a:t>
             </a:r>
           </a:p>
@@ -4183,8 +4223,8 @@
         </p:nvSpPr>
         <p:spPr bwMode="auto">
           <a:xfrm>
-            <a:off x="15955169" y="24166993"/>
-            <a:ext cx="5645150" cy="1123950"/>
+            <a:off x="15842457" y="26411161"/>
+            <a:ext cx="5645150" cy="1027669"/>
           </a:xfrm>
           <a:prstGeom prst="rect">
             <a:avLst/>
@@ -4332,8 +4372,11 @@
               </a:spcBef>
             </a:pPr>
             <a:r>
-              <a:rPr lang="en-US" altLang="en-US" b="1" dirty="0"/>
-              <a:t>Conclusions</a:t>
+              <a:rPr lang="en-US" altLang="en-US" sz="6200" b="1" dirty="0">
+                <a:latin typeface="Times New Roman" panose="02020603050405020304" pitchFamily="18" charset="0"/>
+                <a:cs typeface="Times New Roman" panose="02020603050405020304" pitchFamily="18" charset="0"/>
+              </a:rPr>
+              <a:t>Conclusion</a:t>
             </a:r>
           </a:p>
         </p:txBody>
@@ -4692,7 +4735,35 @@
                 <a:latin typeface="Times New Roman" panose="02020603050405020304" pitchFamily="18" charset="0"/>
                 <a:cs typeface="Times New Roman" panose="02020603050405020304" pitchFamily="18" charset="0"/>
               </a:rPr>
-              <a:t> Gamal, Abdelrahman Adel Atta, Ahmed Reda Mohamed, Ahmed Mahmoud Mohamed, Arwa Amr Mohammed, Alaa Emad Abdelsalam</a:t>
+              <a:t> Gamal, Abdelrahman Adel Atta, </a:t>
+            </a:r>
+            <a:endParaRPr lang="ar-EG" sz="4400" dirty="0">
+              <a:latin typeface="Times New Roman" panose="02020603050405020304" pitchFamily="18" charset="0"/>
+              <a:cs typeface="Times New Roman" panose="02020603050405020304" pitchFamily="18" charset="0"/>
+            </a:endParaRPr>
+          </a:p>
+          <a:p>
+            <a:pPr eaLnBrk="1" hangingPunct="1"/>
+            <a:r>
+              <a:rPr lang="en-US" sz="4400" dirty="0">
+                <a:latin typeface="Times New Roman" panose="02020603050405020304" pitchFamily="18" charset="0"/>
+                <a:cs typeface="Times New Roman" panose="02020603050405020304" pitchFamily="18" charset="0"/>
+              </a:rPr>
+              <a:t>Ahmed Reda Mohamed, Ahmed Mahmoud Mohamed,</a:t>
+            </a:r>
+            <a:endParaRPr lang="ar-EG" sz="4400" dirty="0">
+              <a:latin typeface="Times New Roman" panose="02020603050405020304" pitchFamily="18" charset="0"/>
+              <a:cs typeface="Times New Roman" panose="02020603050405020304" pitchFamily="18" charset="0"/>
+            </a:endParaRPr>
+          </a:p>
+          <a:p>
+            <a:pPr eaLnBrk="1" hangingPunct="1"/>
+            <a:r>
+              <a:rPr lang="en-US" sz="4400" dirty="0">
+                <a:latin typeface="Times New Roman" panose="02020603050405020304" pitchFamily="18" charset="0"/>
+                <a:cs typeface="Times New Roman" panose="02020603050405020304" pitchFamily="18" charset="0"/>
+              </a:rPr>
+              <a:t> Arwa Amr Elsharawy, Alaa Emad Abdelsalam</a:t>
             </a:r>
             <a:endParaRPr lang="en-US" altLang="en-US" sz="4400" b="1" dirty="0">
               <a:latin typeface="Times New Roman" panose="02020603050405020304" pitchFamily="18" charset="0"/>
@@ -4706,36 +4777,39 @@
                 <a:latin typeface="Times New Roman" panose="02020603050405020304" pitchFamily="18" charset="0"/>
                 <a:cs typeface="Times New Roman" panose="02020603050405020304" pitchFamily="18" charset="0"/>
               </a:rPr>
-              <a:t>Supervisors : </a:t>
+              <a:t>Supervisors: </a:t>
+            </a:r>
+            <a:r>
+              <a:rPr lang="en-US" altLang="en-US" sz="4400" dirty="0" err="1">
+                <a:latin typeface="Times New Roman" panose="02020603050405020304" pitchFamily="18" charset="0"/>
+                <a:cs typeface="Times New Roman" panose="02020603050405020304" pitchFamily="18" charset="0"/>
+              </a:rPr>
+              <a:t>Dr.Yasmine</a:t>
             </a:r>
             <a:r>
               <a:rPr lang="en-US" altLang="en-US" sz="4400" dirty="0">
                 <a:latin typeface="Times New Roman" panose="02020603050405020304" pitchFamily="18" charset="0"/>
                 <a:cs typeface="Times New Roman" panose="02020603050405020304" pitchFamily="18" charset="0"/>
               </a:rPr>
-              <a:t>Prof. Dr. Yasmine Afify, TA. Yasmine Shabaan</a:t>
+              <a:t> M. Afify, TA. Yasmine Shabaan</a:t>
             </a:r>
           </a:p>
           <a:p>
             <a:pPr eaLnBrk="1" hangingPunct="1"/>
             <a:r>
-              <a:rPr lang="en-US" sz="4400">
+              <a:rPr lang="en-US" sz="4400" dirty="0">
                 <a:latin typeface="Times New Roman" panose="02020603050405020304" pitchFamily="18" charset="0"/>
                 <a:cs typeface="Times New Roman" panose="02020603050405020304" pitchFamily="18" charset="0"/>
               </a:rPr>
               <a:t>Information Systems Department, </a:t>
             </a:r>
             <a:r>
-              <a:rPr lang="en-US" altLang="en-US" sz="4400" i="1" dirty="0">
+              <a:rPr lang="en-US" altLang="en-US" sz="4400" dirty="0">
                 <a:latin typeface="Times New Roman" panose="02020603050405020304" pitchFamily="18" charset="0"/>
                 <a:cs typeface="Times New Roman" panose="02020603050405020304" pitchFamily="18" charset="0"/>
               </a:rPr>
               <a:t>Faculty of Computer and Information Sciences - Ain Shams University</a:t>
             </a:r>
-            <a:endParaRPr lang="en-US" altLang="en-US" sz="4400" dirty="0">
-              <a:latin typeface="Times New Roman" panose="02020603050405020304" pitchFamily="18" charset="0"/>
-              <a:cs typeface="Times New Roman" panose="02020603050405020304" pitchFamily="18" charset="0"/>
-            </a:endParaRPr>
           </a:p>
         </p:txBody>
       </p:sp>
@@ -4749,8 +4823,8 @@
         </p:nvSpPr>
         <p:spPr bwMode="auto">
           <a:xfrm>
-            <a:off x="15671913" y="28583611"/>
-            <a:ext cx="6211661" cy="1135391"/>
+            <a:off x="15671913" y="30284919"/>
+            <a:ext cx="6211661" cy="1027669"/>
           </a:xfrm>
           <a:prstGeom prst="rect">
             <a:avLst/>
@@ -4898,7 +4972,10 @@
               </a:spcBef>
             </a:pPr>
             <a:r>
-              <a:rPr lang="en-US" altLang="en-US" b="1" dirty="0"/>
+              <a:rPr lang="en-US" altLang="en-US" sz="6200" b="1" dirty="0">
+                <a:latin typeface="Times New Roman" panose="02020603050405020304" pitchFamily="18" charset="0"/>
+                <a:cs typeface="Times New Roman" panose="02020603050405020304" pitchFamily="18" charset="0"/>
+              </a:rPr>
               <a:t>Bibliography</a:t>
             </a:r>
           </a:p>
@@ -4914,7 +4991,7 @@
         </p:nvSpPr>
         <p:spPr bwMode="auto">
           <a:xfrm>
-            <a:off x="816769" y="15202674"/>
+            <a:off x="863338" y="13569241"/>
             <a:ext cx="11010900" cy="7066514"/>
           </a:xfrm>
           <a:prstGeom prst="rect">
@@ -5057,27 +5134,78 @@
             </a:lvl9pPr>
           </a:lstStyle>
           <a:p>
-            <a:pPr algn="just"/>
+            <a:pPr algn="l"/>
+            <a:r>
+              <a:rPr lang="en-US" sz="2400" b="1" dirty="0">
+                <a:latin typeface="Times New Roman" panose="02020603050405020304" pitchFamily="18" charset="0"/>
+                <a:cs typeface="Times New Roman" panose="02020603050405020304" pitchFamily="18" charset="0"/>
+              </a:rPr>
+              <a:t>How can we systematically extract and optimize data warehouse schemas to meet modern demands? </a:t>
+            </a:r>
+            <a:r>
+              <a:rPr lang="en-US" sz="2400" b="1" dirty="0" err="1">
+                <a:latin typeface="Times New Roman" panose="02020603050405020304" pitchFamily="18" charset="0"/>
+                <a:cs typeface="Times New Roman" panose="02020603050405020304" pitchFamily="18" charset="0"/>
+              </a:rPr>
+              <a:t>DataForge</a:t>
+            </a:r>
             <a:r>
               <a:rPr lang="en-US" sz="2400" dirty="0">
                 <a:latin typeface="Times New Roman" panose="02020603050405020304" pitchFamily="18" charset="0"/>
                 <a:cs typeface="Times New Roman" panose="02020603050405020304" pitchFamily="18" charset="0"/>
               </a:rPr>
-              <a:t>How can we systematically extract and optimize data warehouse schemas to meet modern demands? </a:t>
-            </a:r>
-            <a:r>
-              <a:rPr lang="en-US" sz="2400" dirty="0" err="1">
+              <a:t> employs a multi-stage, sophisticated process to achieve this: SQL Parsing and Analysis: Utilizes a hybrid approach combining regex patterns and Abstract Syntax Trees (AST) to extract table structures, columns, data types, and constraints from SQL DDL. This ensures compatibility across dialects like PostgreSQL and MySQL, handling complex nested constraints. </a:t>
+            </a:r>
+          </a:p>
+          <a:p>
+            <a:pPr algn="l"/>
+            <a:r>
+              <a:rPr lang="en-US" sz="2400" b="1" dirty="0">
                 <a:latin typeface="Times New Roman" panose="02020603050405020304" pitchFamily="18" charset="0"/>
                 <a:cs typeface="Times New Roman" panose="02020603050405020304" pitchFamily="18" charset="0"/>
               </a:rPr>
-              <a:t>DataForge</a:t>
+              <a:t>What advantages might this dual-method strategy offer over relying on a single parsing technique? </a:t>
             </a:r>
             <a:r>
               <a:rPr lang="en-US" sz="2400" dirty="0">
                 <a:latin typeface="Times New Roman" panose="02020603050405020304" pitchFamily="18" charset="0"/>
                 <a:cs typeface="Times New Roman" panose="02020603050405020304" pitchFamily="18" charset="0"/>
               </a:rPr>
-              <a:t> employs a multi-stage, sophisticated process to achieve this: SQL Parsing and Analysis: Utilizes a hybrid approach combining regex patterns and Abstract Syntax Trees (AST) to extract table structures, columns, data types, and constraints from SQL DDL. This ensures compatibility across dialects like PostgreSQL and MySQL, handling complex nested constraints. What advantages might this dual-method strategy offer over relying on a single parsing technique? Heuristic Schema Classification: Identifies fact and dimension tables by analyzing foreign-key density, numeric-column ratios, and cardinality thresholds, forming the basis for star or snowflake schemas. How does calibrating these heuristics against expert-designed schemas enhance classification accuracy? AI-Driven Optimization: Leverages TF-IDF for keyword-based domain detection, BERT embeddings for semantic similarity, and LLMs (e.g., Google Gemini Flash) to suggest enhancements like audit fields or surrogate keys. A dedicated subsection on AI training reveals that the BERT model was fine-tuned on a corpus of 50,000 JSON-converted schemas, achieving 92.4% accuracy. Why might domain-specific training data be critical for effective AI suggestions? Interactive Visualization: Renders schemas as draggable, color-coded graphs using React and </a:t>
+              <a:t>Heuristic Schema Classification: Identifies fact and dimension tables by analyzing foreign-key density, numeric-column ratios, and cardinality thresholds, forming the basis for star or snowflake schemas. </a:t>
+            </a:r>
+          </a:p>
+          <a:p>
+            <a:pPr algn="l"/>
+            <a:r>
+              <a:rPr lang="en-US" sz="2400" b="1" dirty="0">
+                <a:latin typeface="Times New Roman" panose="02020603050405020304" pitchFamily="18" charset="0"/>
+                <a:cs typeface="Times New Roman" panose="02020603050405020304" pitchFamily="18" charset="0"/>
+              </a:rPr>
+              <a:t>How does calibrating these heuristics against expert-designed schemas enhance classification accuracy? </a:t>
+            </a:r>
+            <a:r>
+              <a:rPr lang="en-US" sz="2400" dirty="0">
+                <a:latin typeface="Times New Roman" panose="02020603050405020304" pitchFamily="18" charset="0"/>
+                <a:cs typeface="Times New Roman" panose="02020603050405020304" pitchFamily="18" charset="0"/>
+              </a:rPr>
+              <a:t>AI-Driven Optimization: Leverages TF-IDF for keyword-based domain detection, BERT embeddings for semantic similarity, and LLMs (e.g., Google Gemini Flash) to suggest enhancements like audit fields or surrogate keys. A dedicated subsection on AI training reveals that the BERT model was fine-tuned on a corpus of 50,000 JSON-converted schemas, achieving 92.4% accuracy. </a:t>
+            </a:r>
+          </a:p>
+          <a:p>
+            <a:pPr algn="l"/>
+            <a:r>
+              <a:rPr lang="en-US" sz="2400" b="1" dirty="0">
+                <a:latin typeface="Times New Roman" panose="02020603050405020304" pitchFamily="18" charset="0"/>
+                <a:cs typeface="Times New Roman" panose="02020603050405020304" pitchFamily="18" charset="0"/>
+              </a:rPr>
+              <a:t>Why might domain-specific training data be critical for effective AI suggestions? </a:t>
+            </a:r>
+            <a:r>
+              <a:rPr lang="en-US" sz="2400" dirty="0">
+                <a:latin typeface="Times New Roman" panose="02020603050405020304" pitchFamily="18" charset="0"/>
+                <a:cs typeface="Times New Roman" panose="02020603050405020304" pitchFamily="18" charset="0"/>
+              </a:rPr>
+              <a:t>Interactive Visualization: Renders schemas as draggable, color-coded graphs using React and </a:t>
             </a:r>
             <a:r>
               <a:rPr lang="en-US" sz="2400" dirty="0" err="1">
@@ -5091,13 +5219,8 @@
                 <a:latin typeface="Times New Roman" panose="02020603050405020304" pitchFamily="18" charset="0"/>
                 <a:cs typeface="Times New Roman" panose="02020603050405020304" pitchFamily="18" charset="0"/>
               </a:rPr>
-              <a:t>, enabling real-time editing and validation. How could this interactivity empower users to customize schemas according to specific business needs?</a:t>
-            </a:r>
-            <a:endParaRPr lang="en-US" sz="2400" dirty="0">
-              <a:effectLst/>
-              <a:latin typeface="Times New Roman" panose="02020603050405020304" pitchFamily="18" charset="0"/>
-              <a:cs typeface="Times New Roman" panose="02020603050405020304" pitchFamily="18" charset="0"/>
-            </a:endParaRPr>
+              <a:t>, enabling real-time editing and validation. </a:t>
+            </a:r>
           </a:p>
         </p:txBody>
       </p:sp>
@@ -5111,8 +5234,8 @@
         </p:nvSpPr>
         <p:spPr bwMode="auto">
           <a:xfrm>
-            <a:off x="13305630" y="30361509"/>
-            <a:ext cx="10612437" cy="3003863"/>
+            <a:off x="13214405" y="31513299"/>
+            <a:ext cx="10612437" cy="3373195"/>
           </a:xfrm>
           <a:prstGeom prst="rect">
             <a:avLst/>
@@ -5254,89 +5377,47 @@
             </a:lvl9pPr>
           </a:lstStyle>
           <a:p>
-            <a:pPr algn="just"/>
+            <a:pPr algn="l"/>
             <a:r>
               <a:rPr lang="en-US" sz="2400" dirty="0">
                 <a:latin typeface="Times New Roman" panose="02020603050405020304" pitchFamily="18" charset="0"/>
                 <a:cs typeface="Times New Roman" panose="02020603050405020304" pitchFamily="18" charset="0"/>
               </a:rPr>
-              <a:t>1. DiScala, M., &amp; Abadi, D. J. (2016). Automatic generation of normalized relational schemas from nested key-value data. </a:t>
-            </a:r>
-            <a:r>
-              <a:rPr lang="en-US" sz="2400" i="1" dirty="0">
-                <a:latin typeface="Times New Roman" panose="02020603050405020304" pitchFamily="18" charset="0"/>
-                <a:cs typeface="Times New Roman" panose="02020603050405020304" pitchFamily="18" charset="0"/>
-              </a:rPr>
-              <a:t>SIGMOD</a:t>
-            </a:r>
+              <a:t>1.Cormier, K., Zhang, K., Padron-Uy, J., Wong, A., Gagnier, K., &amp; Parihar, A. (2025). Data warehouse design for multiple source forest inventory management and image processing. </a:t>
+            </a:r>
+          </a:p>
+          <a:p>
+            <a:pPr algn="l"/>
+            <a:endParaRPr lang="en-US" sz="2400" dirty="0">
+              <a:latin typeface="Times New Roman" panose="02020603050405020304" pitchFamily="18" charset="0"/>
+              <a:cs typeface="Times New Roman" panose="02020603050405020304" pitchFamily="18" charset="0"/>
+            </a:endParaRPr>
+          </a:p>
+          <a:p>
+            <a:pPr algn="l"/>
             <a:r>
               <a:rPr lang="en-US" sz="2400" dirty="0">
                 <a:latin typeface="Times New Roman" panose="02020603050405020304" pitchFamily="18" charset="0"/>
                 <a:cs typeface="Times New Roman" panose="02020603050405020304" pitchFamily="18" charset="0"/>
               </a:rPr>
-              <a:t>. http://www.cs.umd.edu/~abadi/papers/schemagen-sigmod16.pdf</a:t>
-            </a:r>
-          </a:p>
-          <a:p>
-            <a:pPr algn="just"/>
+              <a:t>2.Belhassen, Z., &amp; Tlili, M. A. (2025). A novel framework for RDF schema extraction in NoSQL databases using Sentence-BERT. </a:t>
+            </a:r>
+          </a:p>
+          <a:p>
+            <a:pPr algn="l"/>
+            <a:endParaRPr lang="en-US" sz="2400" dirty="0">
+              <a:latin typeface="Times New Roman" panose="02020603050405020304" pitchFamily="18" charset="0"/>
+              <a:cs typeface="Times New Roman" panose="02020603050405020304" pitchFamily="18" charset="0"/>
+            </a:endParaRPr>
+          </a:p>
+          <a:p>
+            <a:pPr algn="l"/>
             <a:r>
               <a:rPr lang="en-US" sz="2400" dirty="0">
                 <a:latin typeface="Times New Roman" panose="02020603050405020304" pitchFamily="18" charset="0"/>
                 <a:cs typeface="Times New Roman" panose="02020603050405020304" pitchFamily="18" charset="0"/>
               </a:rPr>
-              <a:t>2. Devlin, J., Chang, M. W., Lee, K., &amp; Toutanova, K. (2019). BERT: Pre-training of deep bidirectional transformers for language understanding. </a:t>
-            </a:r>
-            <a:r>
-              <a:rPr lang="en-US" sz="2400" i="1" dirty="0" err="1">
-                <a:latin typeface="Times New Roman" panose="02020603050405020304" pitchFamily="18" charset="0"/>
-                <a:cs typeface="Times New Roman" panose="02020603050405020304" pitchFamily="18" charset="0"/>
-              </a:rPr>
-              <a:t>arXiv</a:t>
-            </a:r>
-            <a:r>
-              <a:rPr lang="en-US" sz="2400" dirty="0">
-                <a:latin typeface="Times New Roman" panose="02020603050405020304" pitchFamily="18" charset="0"/>
-                <a:cs typeface="Times New Roman" panose="02020603050405020304" pitchFamily="18" charset="0"/>
-              </a:rPr>
-              <a:t>. https://arxiv.org/abs/1810.04805</a:t>
-            </a:r>
-          </a:p>
-          <a:p>
-            <a:pPr algn="just"/>
-            <a:r>
-              <a:rPr lang="en-US" sz="2400" dirty="0">
-                <a:latin typeface="Times New Roman" panose="02020603050405020304" pitchFamily="18" charset="0"/>
-                <a:cs typeface="Times New Roman" panose="02020603050405020304" pitchFamily="18" charset="0"/>
-              </a:rPr>
-              <a:t>   3. Dwivedi, V. P., </a:t>
-            </a:r>
-            <a:r>
-              <a:rPr lang="en-US" sz="2400" dirty="0" err="1">
-                <a:latin typeface="Times New Roman" panose="02020603050405020304" pitchFamily="18" charset="0"/>
-                <a:cs typeface="Times New Roman" panose="02020603050405020304" pitchFamily="18" charset="0"/>
-              </a:rPr>
-              <a:t>Jaladi</a:t>
-            </a:r>
-            <a:r>
-              <a:rPr lang="en-US" sz="2400" dirty="0">
-                <a:latin typeface="Times New Roman" panose="02020603050405020304" pitchFamily="18" charset="0"/>
-                <a:cs typeface="Times New Roman" panose="02020603050405020304" pitchFamily="18" charset="0"/>
-              </a:rPr>
-              <a:t>, S., Fey, M., &amp; Leskovec, J. (2025). Relational graph transformer. </a:t>
-            </a:r>
-            <a:r>
-              <a:rPr lang="en-US" sz="2400" i="1" dirty="0" err="1">
-                <a:latin typeface="Times New Roman" panose="02020603050405020304" pitchFamily="18" charset="0"/>
-                <a:cs typeface="Times New Roman" panose="02020603050405020304" pitchFamily="18" charset="0"/>
-              </a:rPr>
-              <a:t>arXiv</a:t>
-            </a:r>
-            <a:r>
-              <a:rPr lang="en-US" sz="2400" dirty="0">
-                <a:latin typeface="Times New Roman" panose="02020603050405020304" pitchFamily="18" charset="0"/>
-                <a:cs typeface="Times New Roman" panose="02020603050405020304" pitchFamily="18" charset="0"/>
-              </a:rPr>
-              <a:t>. https://arxiv.org/abs/2505.10960</a:t>
+              <a:t>3.Google Cloud. (2025, May 16). Techniques for improving text-to-SQL. Google Cloud Blog.</a:t>
             </a:r>
           </a:p>
         </p:txBody>
@@ -5351,8 +5432,8 @@
         </p:nvSpPr>
         <p:spPr bwMode="auto">
           <a:xfrm>
-            <a:off x="13139739" y="25681002"/>
-            <a:ext cx="11120437" cy="2634531"/>
+            <a:off x="13202830" y="27726676"/>
+            <a:ext cx="11120437" cy="2265199"/>
           </a:xfrm>
           <a:prstGeom prst="rect">
             <a:avLst/>
@@ -5494,9 +5575,9 @@
             </a:lvl9pPr>
           </a:lstStyle>
           <a:p>
-            <a:pPr algn="just"/>
-            <a:r>
-              <a:rPr lang="en-US" sz="2400" dirty="0" err="1">
+            <a:pPr algn="l"/>
+            <a:r>
+              <a:rPr lang="en-US" sz="2400" b="1" dirty="0" err="1">
                 <a:latin typeface="Times New Roman" panose="02020603050405020304" pitchFamily="18" charset="0"/>
                 <a:cs typeface="Times New Roman" panose="02020603050405020304" pitchFamily="18" charset="0"/>
               </a:rPr>
@@ -5507,22 +5588,13 @@
                 <a:latin typeface="Times New Roman" panose="02020603050405020304" pitchFamily="18" charset="0"/>
                 <a:cs typeface="Times New Roman" panose="02020603050405020304" pitchFamily="18" charset="0"/>
               </a:rPr>
-              <a:t> automates data warehouse schema design with AI-driven parsing, heuristic classification, and interactive visualization, significantly reducing design time while ensuring high accuracy. Its intuitive interface and domain adaptability empower organizations to create reliable, optimized schemas, enhancing analytics efficiency and decision-making. By integrating advanced NLP and real-time validation, </a:t>
-            </a:r>
-            <a:r>
-              <a:rPr lang="en-US" sz="2400" dirty="0" err="1">
-                <a:latin typeface="Times New Roman" panose="02020603050405020304" pitchFamily="18" charset="0"/>
-                <a:cs typeface="Times New Roman" panose="02020603050405020304" pitchFamily="18" charset="0"/>
-              </a:rPr>
-              <a:t>DataForge</a:t>
-            </a:r>
-            <a:r>
-              <a:rPr lang="en-US" sz="2400" dirty="0">
-                <a:latin typeface="Times New Roman" panose="02020603050405020304" pitchFamily="18" charset="0"/>
-                <a:cs typeface="Times New Roman" panose="02020603050405020304" pitchFamily="18" charset="0"/>
-              </a:rPr>
-              <a:t> streamlines workflows and supports scalable, error-resistant data warehousing across diverse sectors.</a:t>
-            </a:r>
+              <a:t> addresses manual schema design errors and delays using AI-driven parsing, heuristic classification, and interactive visualization. Leveraging NLP with BERT and LLMs like Google Gemini Flash, it achieves 96% parsing accuracy and 92% domain detection, reducing errors by 80% and design time to under 5 seconds for 100-table schemas. The React-based interface ensures scalable, error-resistant warehousing, enhancing analytics efficiency across sectors.</a:t>
+            </a:r>
+            <a:endParaRPr lang="en-US" sz="2400" dirty="0">
+              <a:effectLst/>
+              <a:latin typeface="Times New Roman" panose="02020603050405020304" pitchFamily="18" charset="0"/>
+              <a:cs typeface="Times New Roman" panose="02020603050405020304" pitchFamily="18" charset="0"/>
+            </a:endParaRPr>
           </a:p>
         </p:txBody>
       </p:sp>
@@ -5536,8 +5608,8 @@
         </p:nvSpPr>
         <p:spPr bwMode="auto">
           <a:xfrm>
-            <a:off x="3368675" y="7165975"/>
-            <a:ext cx="5645150" cy="1123950"/>
+            <a:off x="3499644" y="7175361"/>
+            <a:ext cx="5645150" cy="1027669"/>
           </a:xfrm>
           <a:prstGeom prst="rect">
             <a:avLst/>
@@ -5685,7 +5757,10 @@
               </a:spcBef>
             </a:pPr>
             <a:r>
-              <a:rPr lang="en-US" altLang="en-US" b="1" dirty="0"/>
+              <a:rPr lang="en-US" altLang="en-US" sz="6200" b="1" dirty="0">
+                <a:latin typeface="Times New Roman" panose="02020603050405020304" pitchFamily="18" charset="0"/>
+                <a:cs typeface="Times New Roman" panose="02020603050405020304" pitchFamily="18" charset="0"/>
+              </a:rPr>
               <a:t>Introduction</a:t>
             </a:r>
           </a:p>
@@ -5701,8 +5776,8 @@
         </p:nvSpPr>
         <p:spPr bwMode="auto">
           <a:xfrm>
-            <a:off x="15789273" y="7091562"/>
-            <a:ext cx="5645150" cy="1123950"/>
+            <a:off x="15789273" y="11039778"/>
+            <a:ext cx="5645150" cy="1027669"/>
           </a:xfrm>
           <a:prstGeom prst="rect">
             <a:avLst/>
@@ -5850,169 +5925,11 @@
               </a:spcBef>
             </a:pPr>
             <a:r>
-              <a:rPr lang="en-US" altLang="en-US" b="1" dirty="0"/>
+              <a:rPr lang="en-US" altLang="en-US" sz="6200" b="1" dirty="0">
+                <a:latin typeface="Times New Roman" panose="02020603050405020304" pitchFamily="18" charset="0"/>
+                <a:cs typeface="Times New Roman" panose="02020603050405020304" pitchFamily="18" charset="0"/>
+              </a:rPr>
               <a:t>Results</a:t>
-            </a:r>
-          </a:p>
-        </p:txBody>
-      </p:sp>
-      <p:sp>
-        <p:nvSpPr>
-          <p:cNvPr id="2066" name="Text Box 19">
-            <a:hlinkClick r:id="rId3"/>
-          </p:cNvPr>
-          <p:cNvSpPr txBox="1">
-            <a:spLocks noChangeArrowheads="1"/>
-          </p:cNvSpPr>
-          <p:nvPr/>
-        </p:nvSpPr>
-        <p:spPr bwMode="auto">
-          <a:xfrm>
-            <a:off x="0" y="36433125"/>
-            <a:ext cx="25201563" cy="1014413"/>
-          </a:xfrm>
-          <a:prstGeom prst="rect">
-            <a:avLst/>
-          </a:prstGeom>
-          <a:noFill/>
-          <a:ln>
-            <a:noFill/>
-          </a:ln>
-          <a:extLst>
-            <a:ext uri="{909E8E84-426E-40DD-AFC4-6F175D3DCCD1}">
-              <a14:hiddenFill xmlns:a14="http://schemas.microsoft.com/office/drawing/2010/main">
-                <a:solidFill>
-                  <a:srgbClr val="FFFFFF"/>
-                </a:solidFill>
-              </a14:hiddenFill>
-            </a:ext>
-            <a:ext uri="{91240B29-F687-4F45-9708-019B960494DF}">
-              <a14:hiddenLine xmlns:a14="http://schemas.microsoft.com/office/drawing/2010/main" w="9525">
-                <a:solidFill>
-                  <a:srgbClr val="000000"/>
-                </a:solidFill>
-                <a:miter lim="800000"/>
-                <a:headEnd/>
-                <a:tailEnd/>
-              </a14:hiddenLine>
-            </a:ext>
-          </a:extLst>
-        </p:spPr>
-        <p:txBody>
-          <a:bodyPr>
-            <a:spAutoFit/>
-          </a:bodyPr>
-          <a:lstStyle>
-            <a:lvl1pPr defTabSz="4389438" eaLnBrk="0" hangingPunct="0">
-              <a:defRPr sz="6900">
-                <a:solidFill>
-                  <a:schemeClr val="tx1"/>
-                </a:solidFill>
-                <a:latin typeface="Arial" charset="0"/>
-              </a:defRPr>
-            </a:lvl1pPr>
-            <a:lvl2pPr marL="742950" indent="-285750" defTabSz="4389438" eaLnBrk="0" hangingPunct="0">
-              <a:defRPr sz="6900">
-                <a:solidFill>
-                  <a:schemeClr val="tx1"/>
-                </a:solidFill>
-                <a:latin typeface="Arial" charset="0"/>
-              </a:defRPr>
-            </a:lvl2pPr>
-            <a:lvl3pPr marL="1143000" indent="-228600" defTabSz="4389438" eaLnBrk="0" hangingPunct="0">
-              <a:defRPr sz="6900">
-                <a:solidFill>
-                  <a:schemeClr val="tx1"/>
-                </a:solidFill>
-                <a:latin typeface="Arial" charset="0"/>
-              </a:defRPr>
-            </a:lvl3pPr>
-            <a:lvl4pPr marL="1600200" indent="-228600" defTabSz="4389438" eaLnBrk="0" hangingPunct="0">
-              <a:defRPr sz="6900">
-                <a:solidFill>
-                  <a:schemeClr val="tx1"/>
-                </a:solidFill>
-                <a:latin typeface="Arial" charset="0"/>
-              </a:defRPr>
-            </a:lvl4pPr>
-            <a:lvl5pPr marL="2057400" indent="-228600" defTabSz="4389438" eaLnBrk="0" hangingPunct="0">
-              <a:defRPr sz="6900">
-                <a:solidFill>
-                  <a:schemeClr val="tx1"/>
-                </a:solidFill>
-                <a:latin typeface="Arial" charset="0"/>
-              </a:defRPr>
-            </a:lvl5pPr>
-            <a:lvl6pPr marL="2514600" indent="-228600" algn="ctr" defTabSz="4389438" eaLnBrk="0" fontAlgn="base" hangingPunct="0">
-              <a:spcBef>
-                <a:spcPct val="0"/>
-              </a:spcBef>
-              <a:spcAft>
-                <a:spcPct val="0"/>
-              </a:spcAft>
-              <a:defRPr sz="6900">
-                <a:solidFill>
-                  <a:schemeClr val="tx1"/>
-                </a:solidFill>
-                <a:latin typeface="Arial" charset="0"/>
-              </a:defRPr>
-            </a:lvl6pPr>
-            <a:lvl7pPr marL="2971800" indent="-228600" algn="ctr" defTabSz="4389438" eaLnBrk="0" fontAlgn="base" hangingPunct="0">
-              <a:spcBef>
-                <a:spcPct val="0"/>
-              </a:spcBef>
-              <a:spcAft>
-                <a:spcPct val="0"/>
-              </a:spcAft>
-              <a:defRPr sz="6900">
-                <a:solidFill>
-                  <a:schemeClr val="tx1"/>
-                </a:solidFill>
-                <a:latin typeface="Arial" charset="0"/>
-              </a:defRPr>
-            </a:lvl7pPr>
-            <a:lvl8pPr marL="3429000" indent="-228600" algn="ctr" defTabSz="4389438" eaLnBrk="0" fontAlgn="base" hangingPunct="0">
-              <a:spcBef>
-                <a:spcPct val="0"/>
-              </a:spcBef>
-              <a:spcAft>
-                <a:spcPct val="0"/>
-              </a:spcAft>
-              <a:defRPr sz="6900">
-                <a:solidFill>
-                  <a:schemeClr val="tx1"/>
-                </a:solidFill>
-                <a:latin typeface="Arial" charset="0"/>
-              </a:defRPr>
-            </a:lvl8pPr>
-            <a:lvl9pPr marL="3886200" indent="-228600" algn="ctr" defTabSz="4389438" eaLnBrk="0" fontAlgn="base" hangingPunct="0">
-              <a:spcBef>
-                <a:spcPct val="0"/>
-              </a:spcBef>
-              <a:spcAft>
-                <a:spcPct val="0"/>
-              </a:spcAft>
-              <a:defRPr sz="6900">
-                <a:solidFill>
-                  <a:schemeClr val="tx1"/>
-                </a:solidFill>
-                <a:latin typeface="Arial" charset="0"/>
-              </a:defRPr>
-            </a:lvl9pPr>
-          </a:lstStyle>
-          <a:p>
-            <a:pPr eaLnBrk="1" hangingPunct="1">
-              <a:spcBef>
-                <a:spcPct val="50000"/>
-              </a:spcBef>
-            </a:pPr>
-            <a:r>
-              <a:rPr lang="en-US" altLang="en-US" sz="6000" b="1" i="1">
-                <a:solidFill>
-                  <a:srgbClr val="0046D2"/>
-                </a:solidFill>
-              </a:rPr>
-              <a:t>Order online at    https://www.postersession.com/order/</a:t>
             </a:r>
           </a:p>
         </p:txBody>
@@ -6032,7 +5949,7 @@
           <p:nvPr/>
         </p:nvPicPr>
         <p:blipFill>
-          <a:blip r:embed="rId4">
+          <a:blip r:embed="rId3">
             <a:extLst>
               <a:ext uri="{28A0092B-C50C-407E-A947-70E740481C1C}">
                 <a14:useLocalDpi xmlns:a14="http://schemas.microsoft.com/office/drawing/2010/main" val="0"/>
@@ -6068,7 +5985,7 @@
           <p:nvPr/>
         </p:nvPicPr>
         <p:blipFill>
-          <a:blip r:embed="rId5">
+          <a:blip r:embed="rId4">
             <a:extLst>
               <a:ext uri="{28A0092B-C50C-407E-A947-70E740481C1C}">
                 <a14:useLocalDpi xmlns:a14="http://schemas.microsoft.com/office/drawing/2010/main" val="0"/>
@@ -6089,490 +6006,6 @@
           </a:prstGeom>
         </p:spPr>
       </p:pic>
-      <p:graphicFrame>
-        <p:nvGraphicFramePr>
-          <p:cNvPr id="2" name="Table 1">
-            <a:extLst>
-              <a:ext uri="{FF2B5EF4-FFF2-40B4-BE49-F238E27FC236}">
-                <a16:creationId xmlns:a16="http://schemas.microsoft.com/office/drawing/2014/main" id="{DB6BBF59-5462-E614-6979-4597F5D89A6F}"/>
-              </a:ext>
-            </a:extLst>
-          </p:cNvPr>
-          <p:cNvGraphicFramePr>
-            <a:graphicFrameLocks noGrp="1"/>
-          </p:cNvGraphicFramePr>
-          <p:nvPr>
-            <p:extLst>
-              <p:ext uri="{D42A27DB-BD31-4B8C-83A1-F6EECF244321}">
-                <p14:modId xmlns:p14="http://schemas.microsoft.com/office/powerpoint/2010/main" val="1233659715"/>
-              </p:ext>
-            </p:extLst>
-          </p:nvPr>
-        </p:nvGraphicFramePr>
-        <p:xfrm>
-          <a:off x="13399102" y="19800444"/>
-          <a:ext cx="10757284" cy="3834582"/>
-        </p:xfrm>
-        <a:graphic>
-          <a:graphicData uri="http://schemas.openxmlformats.org/drawingml/2006/table">
-            <a:tbl>
-              <a:tblPr firstRow="1" bandRow="1">
-                <a:tableStyleId>{5C22544A-7EE6-4342-B048-85BDC9FD1C3A}</a:tableStyleId>
-              </a:tblPr>
-              <a:tblGrid>
-                <a:gridCol w="1380651">
-                  <a:extLst>
-                    <a:ext uri="{9D8B030D-6E8A-4147-A177-3AD203B41FA5}">
-                      <a16:colId xmlns:a16="http://schemas.microsoft.com/office/drawing/2014/main" val="1711718782"/>
-                    </a:ext>
-                  </a:extLst>
-                </a:gridCol>
-                <a:gridCol w="1147603">
-                  <a:extLst>
-                    <a:ext uri="{9D8B030D-6E8A-4147-A177-3AD203B41FA5}">
-                      <a16:colId xmlns:a16="http://schemas.microsoft.com/office/drawing/2014/main" val="3003724993"/>
-                    </a:ext>
-                  </a:extLst>
-                </a:gridCol>
-                <a:gridCol w="2255162">
-                  <a:extLst>
-                    <a:ext uri="{9D8B030D-6E8A-4147-A177-3AD203B41FA5}">
-                      <a16:colId xmlns:a16="http://schemas.microsoft.com/office/drawing/2014/main" val="3761942501"/>
-                    </a:ext>
-                  </a:extLst>
-                </a:gridCol>
-                <a:gridCol w="2064945">
-                  <a:extLst>
-                    <a:ext uri="{9D8B030D-6E8A-4147-A177-3AD203B41FA5}">
-                      <a16:colId xmlns:a16="http://schemas.microsoft.com/office/drawing/2014/main" val="599129082"/>
-                    </a:ext>
-                  </a:extLst>
-                </a:gridCol>
-                <a:gridCol w="1019891">
-                  <a:extLst>
-                    <a:ext uri="{9D8B030D-6E8A-4147-A177-3AD203B41FA5}">
-                      <a16:colId xmlns:a16="http://schemas.microsoft.com/office/drawing/2014/main" val="2906992464"/>
-                    </a:ext>
-                  </a:extLst>
-                </a:gridCol>
-                <a:gridCol w="1019891">
-                  <a:extLst>
-                    <a:ext uri="{9D8B030D-6E8A-4147-A177-3AD203B41FA5}">
-                      <a16:colId xmlns:a16="http://schemas.microsoft.com/office/drawing/2014/main" val="568955502"/>
-                    </a:ext>
-                  </a:extLst>
-                </a:gridCol>
-                <a:gridCol w="1869141">
-                  <a:extLst>
-                    <a:ext uri="{9D8B030D-6E8A-4147-A177-3AD203B41FA5}">
-                      <a16:colId xmlns:a16="http://schemas.microsoft.com/office/drawing/2014/main" val="2734762207"/>
-                    </a:ext>
-                  </a:extLst>
-                </a:gridCol>
-              </a:tblGrid>
-              <a:tr h="2091391">
-                <a:tc>
-                  <a:txBody>
-                    <a:bodyPr/>
-                    <a:lstStyle/>
-                    <a:p>
-                      <a:r>
-                        <a:rPr lang="en-US" dirty="0"/>
-                        <a:t>Dataset</a:t>
-                      </a:r>
-                    </a:p>
-                  </a:txBody>
-                  <a:tcPr anchor="ctr"/>
-                </a:tc>
-                <a:tc>
-                  <a:txBody>
-                    <a:bodyPr/>
-                    <a:lstStyle/>
-                    <a:p>
-                      <a:r>
-                        <a:rPr lang="en-US"/>
-                        <a:t>Parsing Accuracy (%)</a:t>
-                      </a:r>
-                    </a:p>
-                  </a:txBody>
-                  <a:tcPr anchor="ctr"/>
-                </a:tc>
-                <a:tc>
-                  <a:txBody>
-                    <a:bodyPr/>
-                    <a:lstStyle/>
-                    <a:p>
-                      <a:r>
-                        <a:rPr lang="en-US" dirty="0"/>
-                        <a:t>Domain Detection (%)</a:t>
-                      </a:r>
-                    </a:p>
-                  </a:txBody>
-                  <a:tcPr anchor="ctr"/>
-                </a:tc>
-                <a:tc>
-                  <a:txBody>
-                    <a:bodyPr/>
-                    <a:lstStyle/>
-                    <a:p>
-                      <a:r>
-                        <a:rPr lang="en-US" dirty="0">
-                          <a:latin typeface="Times New Roman" panose="02020603050405020304" pitchFamily="18" charset="0"/>
-                          <a:cs typeface="Times New Roman" panose="02020603050405020304" pitchFamily="18" charset="0"/>
-                        </a:rPr>
-                        <a:t>Generation</a:t>
-                      </a:r>
-                      <a:r>
-                        <a:rPr lang="en-US" dirty="0"/>
-                        <a:t> Time (s)</a:t>
-                      </a:r>
-                    </a:p>
-                  </a:txBody>
-                  <a:tcPr anchor="ctr"/>
-                </a:tc>
-                <a:tc>
-                  <a:txBody>
-                    <a:bodyPr/>
-                    <a:lstStyle/>
-                    <a:p>
-                      <a:r>
-                        <a:rPr lang="en-US" dirty="0"/>
-                        <a:t>Visualization Load (s)</a:t>
-                      </a:r>
-                    </a:p>
-                  </a:txBody>
-                  <a:tcPr anchor="ctr"/>
-                </a:tc>
-                <a:tc>
-                  <a:txBody>
-                    <a:bodyPr/>
-                    <a:lstStyle/>
-                    <a:p>
-                      <a:r>
-                        <a:rPr lang="en-US"/>
-                        <a:t>User Satisfaction (1-5)</a:t>
-                      </a:r>
-                    </a:p>
-                  </a:txBody>
-                  <a:tcPr anchor="ctr"/>
-                </a:tc>
-                <a:tc>
-                  <a:txBody>
-                    <a:bodyPr/>
-                    <a:lstStyle/>
-                    <a:p>
-                      <a:r>
-                        <a:rPr lang="en-US" dirty="0"/>
-                        <a:t>Error Reduction (%)</a:t>
-                      </a:r>
-                    </a:p>
-                  </a:txBody>
-                  <a:tcPr anchor="ctr"/>
-                </a:tc>
-                <a:extLst>
-                  <a:ext uri="{0D108BD9-81ED-4DB2-BD59-A6C34878D82A}">
-                    <a16:rowId xmlns:a16="http://schemas.microsoft.com/office/drawing/2014/main" val="3810071449"/>
-                  </a:ext>
-                </a:extLst>
-              </a:tr>
-              <a:tr h="770513">
-                <a:tc>
-                  <a:txBody>
-                    <a:bodyPr/>
-                    <a:lstStyle/>
-                    <a:p>
-                      <a:r>
-                        <a:rPr lang="en-US"/>
-                        <a:t>AdventureWorksDW</a:t>
-                      </a:r>
-                    </a:p>
-                  </a:txBody>
-                  <a:tcPr anchor="ctr"/>
-                </a:tc>
-                <a:tc>
-                  <a:txBody>
-                    <a:bodyPr/>
-                    <a:lstStyle/>
-                    <a:p>
-                      <a:r>
-                        <a:rPr lang="en-US"/>
-                        <a:t>96</a:t>
-                      </a:r>
-                    </a:p>
-                  </a:txBody>
-                  <a:tcPr anchor="ctr"/>
-                </a:tc>
-                <a:tc>
-                  <a:txBody>
-                    <a:bodyPr/>
-                    <a:lstStyle/>
-                    <a:p>
-                      <a:r>
-                        <a:rPr lang="en-US" dirty="0"/>
-                        <a:t>92</a:t>
-                      </a:r>
-                    </a:p>
-                  </a:txBody>
-                  <a:tcPr anchor="ctr"/>
-                </a:tc>
-                <a:tc>
-                  <a:txBody>
-                    <a:bodyPr/>
-                    <a:lstStyle/>
-                    <a:p>
-                      <a:r>
-                        <a:rPr lang="en-US"/>
-                        <a:t>4.0</a:t>
-                      </a:r>
-                    </a:p>
-                  </a:txBody>
-                  <a:tcPr anchor="ctr"/>
-                </a:tc>
-                <a:tc>
-                  <a:txBody>
-                    <a:bodyPr/>
-                    <a:lstStyle/>
-                    <a:p>
-                      <a:r>
-                        <a:rPr lang="en-US"/>
-                        <a:t>2.0</a:t>
-                      </a:r>
-                    </a:p>
-                  </a:txBody>
-                  <a:tcPr anchor="ctr"/>
-                </a:tc>
-                <a:tc>
-                  <a:txBody>
-                    <a:bodyPr/>
-                    <a:lstStyle/>
-                    <a:p>
-                      <a:r>
-                        <a:rPr lang="en-US"/>
-                        <a:t>4.2</a:t>
-                      </a:r>
-                    </a:p>
-                  </a:txBody>
-                  <a:tcPr anchor="ctr"/>
-                </a:tc>
-                <a:tc>
-                  <a:txBody>
-                    <a:bodyPr/>
-                    <a:lstStyle/>
-                    <a:p>
-                      <a:r>
-                        <a:rPr lang="en-US"/>
-                        <a:t>80</a:t>
-                      </a:r>
-                    </a:p>
-                  </a:txBody>
-                  <a:tcPr anchor="ctr"/>
-                </a:tc>
-                <a:extLst>
-                  <a:ext uri="{0D108BD9-81ED-4DB2-BD59-A6C34878D82A}">
-                    <a16:rowId xmlns:a16="http://schemas.microsoft.com/office/drawing/2014/main" val="3882738093"/>
-                  </a:ext>
-                </a:extLst>
-              </a:tr>
-              <a:tr h="532385">
-                <a:tc>
-                  <a:txBody>
-                    <a:bodyPr/>
-                    <a:lstStyle/>
-                    <a:p>
-                      <a:r>
-                        <a:rPr lang="en-US"/>
-                        <a:t>ShopSmart</a:t>
-                      </a:r>
-                    </a:p>
-                  </a:txBody>
-                  <a:tcPr anchor="ctr"/>
-                </a:tc>
-                <a:tc>
-                  <a:txBody>
-                    <a:bodyPr/>
-                    <a:lstStyle/>
-                    <a:p>
-                      <a:r>
-                        <a:rPr lang="en-US"/>
-                        <a:t>96</a:t>
-                      </a:r>
-                    </a:p>
-                  </a:txBody>
-                  <a:tcPr anchor="ctr"/>
-                </a:tc>
-                <a:tc>
-                  <a:txBody>
-                    <a:bodyPr/>
-                    <a:lstStyle/>
-                    <a:p>
-                      <a:r>
-                        <a:rPr lang="en-US"/>
-                        <a:t>92</a:t>
-                      </a:r>
-                    </a:p>
-                  </a:txBody>
-                  <a:tcPr anchor="ctr"/>
-                </a:tc>
-                <a:tc>
-                  <a:txBody>
-                    <a:bodyPr/>
-                    <a:lstStyle/>
-                    <a:p>
-                      <a:r>
-                        <a:rPr lang="en-US"/>
-                        <a:t>4.0</a:t>
-                      </a:r>
-                    </a:p>
-                  </a:txBody>
-                  <a:tcPr anchor="ctr"/>
-                </a:tc>
-                <a:tc>
-                  <a:txBody>
-                    <a:bodyPr/>
-                    <a:lstStyle/>
-                    <a:p>
-                      <a:r>
-                        <a:rPr lang="en-US"/>
-                        <a:t>2.0</a:t>
-                      </a:r>
-                    </a:p>
-                  </a:txBody>
-                  <a:tcPr anchor="ctr"/>
-                </a:tc>
-                <a:tc>
-                  <a:txBody>
-                    <a:bodyPr/>
-                    <a:lstStyle/>
-                    <a:p>
-                      <a:r>
-                        <a:rPr lang="en-US"/>
-                        <a:t>4.2</a:t>
-                      </a:r>
-                    </a:p>
-                  </a:txBody>
-                  <a:tcPr anchor="ctr"/>
-                </a:tc>
-                <a:tc>
-                  <a:txBody>
-                    <a:bodyPr/>
-                    <a:lstStyle/>
-                    <a:p>
-                      <a:r>
-                        <a:rPr lang="en-US"/>
-                        <a:t>80</a:t>
-                      </a:r>
-                    </a:p>
-                  </a:txBody>
-                  <a:tcPr anchor="ctr"/>
-                </a:tc>
-                <a:extLst>
-                  <a:ext uri="{0D108BD9-81ED-4DB2-BD59-A6C34878D82A}">
-                    <a16:rowId xmlns:a16="http://schemas.microsoft.com/office/drawing/2014/main" val="2328849520"/>
-                  </a:ext>
-                </a:extLst>
-              </a:tr>
-              <a:tr h="440293">
-                <a:tc>
-                  <a:txBody>
-                    <a:bodyPr/>
-                    <a:lstStyle/>
-                    <a:p>
-                      <a:r>
-                        <a:rPr lang="en-US" dirty="0"/>
-                        <a:t>TPC-DS</a:t>
-                      </a:r>
-                    </a:p>
-                  </a:txBody>
-                  <a:tcPr anchor="ctr"/>
-                </a:tc>
-                <a:tc>
-                  <a:txBody>
-                    <a:bodyPr/>
-                    <a:lstStyle/>
-                    <a:p>
-                      <a:r>
-                        <a:rPr lang="en-US"/>
-                        <a:t>95</a:t>
-                      </a:r>
-                    </a:p>
-                  </a:txBody>
-                  <a:tcPr anchor="ctr"/>
-                </a:tc>
-                <a:tc>
-                  <a:txBody>
-                    <a:bodyPr/>
-                    <a:lstStyle/>
-                    <a:p>
-                      <a:r>
-                        <a:rPr lang="en-US" dirty="0"/>
-                        <a:t>90</a:t>
-                      </a:r>
-                    </a:p>
-                  </a:txBody>
-                  <a:tcPr anchor="ctr"/>
-                </a:tc>
-                <a:tc>
-                  <a:txBody>
-                    <a:bodyPr/>
-                    <a:lstStyle/>
-                    <a:p>
-                      <a:r>
-                        <a:rPr lang="en-US"/>
-                        <a:t>4.5</a:t>
-                      </a:r>
-                    </a:p>
-                  </a:txBody>
-                  <a:tcPr anchor="ctr"/>
-                </a:tc>
-                <a:tc>
-                  <a:txBody>
-                    <a:bodyPr/>
-                    <a:lstStyle/>
-                    <a:p>
-                      <a:r>
-                        <a:rPr lang="en-US"/>
-                        <a:t>2.3</a:t>
-                      </a:r>
-                    </a:p>
-                  </a:txBody>
-                  <a:tcPr anchor="ctr"/>
-                </a:tc>
-                <a:tc>
-                  <a:txBody>
-                    <a:bodyPr/>
-                    <a:lstStyle/>
-                    <a:p>
-                      <a:r>
-                        <a:rPr lang="en-US"/>
-                        <a:t>4.5</a:t>
-                      </a:r>
-                    </a:p>
-                  </a:txBody>
-                  <a:tcPr anchor="ctr"/>
-                </a:tc>
-                <a:tc>
-                  <a:txBody>
-                    <a:bodyPr/>
-                    <a:lstStyle/>
-                    <a:p>
-                      <a:r>
-                        <a:rPr lang="en-US" dirty="0"/>
-                        <a:t>75</a:t>
-                      </a:r>
-                    </a:p>
-                  </a:txBody>
-                  <a:tcPr anchor="ctr"/>
-                </a:tc>
-                <a:extLst>
-                  <a:ext uri="{0D108BD9-81ED-4DB2-BD59-A6C34878D82A}">
-                    <a16:rowId xmlns:a16="http://schemas.microsoft.com/office/drawing/2014/main" val="965047190"/>
-                  </a:ext>
-                </a:extLst>
-              </a:tr>
-            </a:tbl>
-          </a:graphicData>
-        </a:graphic>
-      </p:graphicFrame>
       <p:sp>
         <p:nvSpPr>
           <p:cNvPr id="4" name="Text Box 19">
@@ -6589,8 +6022,8 @@
         </p:nvSpPr>
         <p:spPr bwMode="auto">
           <a:xfrm>
-            <a:off x="13433042" y="8483590"/>
-            <a:ext cx="10757284" cy="461665"/>
+            <a:off x="13179680" y="12102428"/>
+            <a:ext cx="11341101" cy="3785652"/>
           </a:xfrm>
           <a:prstGeom prst="rect">
             <a:avLst/>
@@ -6722,579 +6155,169 @@
             </a:lvl9pPr>
           </a:lstStyle>
           <a:p>
-            <a:pPr algn="just"/>
-            <a:endParaRPr lang="en-US" sz="2400" dirty="0">
-              <a:latin typeface="Times New Roman" panose="02020603050405020304" pitchFamily="18" charset="0"/>
-              <a:cs typeface="Times New Roman" panose="02020603050405020304" pitchFamily="18" charset="0"/>
-            </a:endParaRPr>
-          </a:p>
-        </p:txBody>
-      </p:sp>
-      <p:sp>
-        <p:nvSpPr>
-          <p:cNvPr id="8" name="Rectangle 1">
-            <a:extLst>
-              <a:ext uri="{FF2B5EF4-FFF2-40B4-BE49-F238E27FC236}">
-                <a16:creationId xmlns:a16="http://schemas.microsoft.com/office/drawing/2014/main" id="{2600B686-C9AA-4767-F583-918A1CAB0D09}"/>
-              </a:ext>
-            </a:extLst>
-          </p:cNvPr>
-          <p:cNvSpPr>
-            <a:spLocks noChangeArrowheads="1"/>
-          </p:cNvSpPr>
-          <p:nvPr/>
-        </p:nvSpPr>
-        <p:spPr bwMode="auto">
-          <a:xfrm>
-            <a:off x="-184944" y="-12442341"/>
-            <a:ext cx="25201563" cy="457200"/>
-          </a:xfrm>
-          <a:prstGeom prst="rect">
-            <a:avLst/>
-          </a:prstGeom>
-          <a:noFill/>
-          <a:ln>
-            <a:noFill/>
-          </a:ln>
-          <a:effectLst/>
-          <a:extLst>
-            <a:ext uri="{909E8E84-426E-40DD-AFC4-6F175D3DCCD1}">
-              <a14:hiddenFill xmlns:a14="http://schemas.microsoft.com/office/drawing/2010/main">
-                <a:solidFill>
-                  <a:schemeClr val="accent1"/>
-                </a:solidFill>
-              </a14:hiddenFill>
-            </a:ext>
-            <a:ext uri="{91240B29-F687-4F45-9708-019B960494DF}">
-              <a14:hiddenLine xmlns:a14="http://schemas.microsoft.com/office/drawing/2010/main" w="9525">
-                <a:solidFill>
-                  <a:schemeClr val="tx1"/>
-                </a:solidFill>
-                <a:miter lim="800000"/>
-                <a:headEnd/>
-                <a:tailEnd/>
-              </a14:hiddenLine>
-            </a:ext>
-            <a:ext uri="{AF507438-7753-43E0-B8FC-AC1667EBCBE1}">
-              <a14:hiddenEffects xmlns:a14="http://schemas.microsoft.com/office/drawing/2010/main">
-                <a:effectLst>
-                  <a:outerShdw dist="35921" dir="2700000" algn="ctr" rotWithShape="0">
-                    <a:schemeClr val="bg2"/>
-                  </a:outerShdw>
-                </a:effectLst>
-              </a14:hiddenEffects>
-            </a:ext>
-          </a:extLst>
-        </p:spPr>
-        <p:txBody>
-          <a:bodyPr vert="horz" wrap="none" lIns="91440" tIns="45720" rIns="91440" bIns="45720" numCol="1" anchor="ctr" anchorCtr="0" compatLnSpc="1">
-            <a:prstTxWarp prst="textNoShape">
-              <a:avLst/>
-            </a:prstTxWarp>
-            <a:spAutoFit/>
-          </a:bodyPr>
-          <a:lstStyle/>
-          <a:p>
-            <a:pPr marL="0" marR="0" lvl="0" indent="0" algn="l" defTabSz="914400" rtl="0" eaLnBrk="0" fontAlgn="base" latinLnBrk="0" hangingPunct="0">
-              <a:lnSpc>
-                <a:spcPct val="100000"/>
-              </a:lnSpc>
-              <a:spcBef>
-                <a:spcPct val="0"/>
-              </a:spcBef>
-              <a:spcAft>
-                <a:spcPct val="0"/>
-              </a:spcAft>
-              <a:buClrTx/>
-              <a:buSzTx/>
-              <a:buFontTx/>
-              <a:buNone/>
-              <a:tabLst/>
-            </a:pPr>
-            <a:r>
-              <a:rPr kumimoji="0" lang="en-US" altLang="en-US" sz="1800" b="0" i="0" u="none" strike="noStrike" cap="none" normalizeH="0" baseline="0">
-                <a:ln>
-                  <a:noFill/>
-                </a:ln>
-                <a:solidFill>
-                  <a:schemeClr val="tx1"/>
-                </a:solidFill>
-                <a:effectLst/>
-                <a:latin typeface="Arial" panose="020B0604020202020204" pitchFamily="34" charset="0"/>
+            <a:pPr algn="l"/>
+            <a:r>
+              <a:rPr lang="en-US" sz="2400" b="1" dirty="0" err="1">
+                <a:latin typeface="Times New Roman" panose="02020603050405020304" pitchFamily="18" charset="0"/>
+                <a:cs typeface="Times New Roman" panose="02020603050405020304" pitchFamily="18" charset="0"/>
               </a:rPr>
-              <a:t>DataForge employs a modular, multi-stage process to automate schema generation.</a:t>
-            </a:r>
-          </a:p>
-          <a:p>
-            <a:pPr marL="0" marR="0" lvl="0" indent="0" algn="l" defTabSz="914400" rtl="0" eaLnBrk="0" fontAlgn="base" latinLnBrk="0" hangingPunct="0">
-              <a:lnSpc>
-                <a:spcPct val="100000"/>
-              </a:lnSpc>
-              <a:spcBef>
-                <a:spcPct val="0"/>
-              </a:spcBef>
-              <a:spcAft>
-                <a:spcPct val="0"/>
-              </a:spcAft>
-              <a:buClrTx/>
-              <a:buSzTx/>
-              <a:buFontTx/>
-              <a:buNone/>
-              <a:tabLst/>
-            </a:pPr>
-            <a:r>
-              <a:rPr kumimoji="0" lang="en-US" altLang="en-US" sz="1800" b="1" i="0" u="none" strike="noStrike" cap="none" normalizeH="0" baseline="0">
-                <a:ln>
-                  <a:noFill/>
-                </a:ln>
-                <a:solidFill>
-                  <a:schemeClr val="tx1"/>
-                </a:solidFill>
-                <a:effectLst/>
-                <a:latin typeface="Arial" panose="020B0604020202020204" pitchFamily="34" charset="0"/>
+              <a:t>DataForge</a:t>
+            </a:r>
+            <a:r>
+              <a:rPr lang="en-US" sz="2400" dirty="0">
+                <a:latin typeface="Times New Roman" panose="02020603050405020304" pitchFamily="18" charset="0"/>
+                <a:cs typeface="Times New Roman" panose="02020603050405020304" pitchFamily="18" charset="0"/>
               </a:rPr>
-              <a:t>Core Processes:</a:t>
-            </a:r>
-            <a:endParaRPr kumimoji="0" lang="en-US" altLang="en-US" sz="1800" b="0" i="0" u="none" strike="noStrike" cap="none" normalizeH="0" baseline="0">
-              <a:ln>
-                <a:noFill/>
-              </a:ln>
-              <a:solidFill>
-                <a:schemeClr val="tx1"/>
-              </a:solidFill>
-              <a:effectLst/>
-              <a:latin typeface="Arial" panose="020B0604020202020204" pitchFamily="34" charset="0"/>
-            </a:endParaRPr>
-          </a:p>
-          <a:p>
-            <a:pPr marL="0" marR="0" lvl="0" indent="0" algn="l" defTabSz="914400" rtl="0" eaLnBrk="0" fontAlgn="base" latinLnBrk="0" hangingPunct="0">
-              <a:lnSpc>
-                <a:spcPct val="100000"/>
-              </a:lnSpc>
-              <a:spcBef>
-                <a:spcPct val="0"/>
-              </a:spcBef>
-              <a:spcAft>
-                <a:spcPct val="0"/>
-              </a:spcAft>
-              <a:buClrTx/>
-              <a:buSzTx/>
-              <a:buFontTx/>
-              <a:buChar char="•"/>
-              <a:tabLst/>
-            </a:pPr>
-            <a:r>
-              <a:rPr kumimoji="0" lang="en-US" altLang="en-US" sz="1800" b="1" i="0" u="none" strike="noStrike" cap="none" normalizeH="0" baseline="0">
-                <a:ln>
-                  <a:noFill/>
-                </a:ln>
-                <a:solidFill>
-                  <a:schemeClr val="tx1"/>
-                </a:solidFill>
-                <a:effectLst/>
-                <a:latin typeface="Arial" panose="020B0604020202020204" pitchFamily="34" charset="0"/>
+              <a:t> excels across diverse datasets (</a:t>
+            </a:r>
+            <a:r>
+              <a:rPr lang="en-US" sz="2400" dirty="0" err="1">
+                <a:latin typeface="Times New Roman" panose="02020603050405020304" pitchFamily="18" charset="0"/>
+                <a:cs typeface="Times New Roman" panose="02020603050405020304" pitchFamily="18" charset="0"/>
               </a:rPr>
-              <a:t>SQL Parsing &amp; Analysis:</a:t>
-            </a:r>
-            <a:r>
-              <a:rPr kumimoji="0" lang="en-US" altLang="en-US" sz="1800" b="0" i="0" u="none" strike="noStrike" cap="none" normalizeH="0" baseline="0">
-                <a:ln>
-                  <a:noFill/>
-                </a:ln>
-                <a:solidFill>
-                  <a:schemeClr val="tx1"/>
-                </a:solidFill>
-                <a:effectLst/>
-                <a:latin typeface="Arial" panose="020B0604020202020204" pitchFamily="34" charset="0"/>
+              <a:t>AdventureWorksDW</a:t>
+            </a:r>
+            <a:r>
+              <a:rPr lang="en-US" sz="2400" dirty="0">
+                <a:latin typeface="Times New Roman" panose="02020603050405020304" pitchFamily="18" charset="0"/>
+                <a:cs typeface="Times New Roman" panose="02020603050405020304" pitchFamily="18" charset="0"/>
               </a:rPr>
-              <a:t> Parses SQL DDL using regex and Abstract Syntax Trees (AST) to extract table structures, columns, data types, and key relationships, ensuring compatibility across dialects.</a:t>
-            </a:r>
-          </a:p>
-          <a:p>
-            <a:pPr marL="0" marR="0" lvl="0" indent="0" algn="l" defTabSz="914400" rtl="0" eaLnBrk="0" fontAlgn="base" latinLnBrk="0" hangingPunct="0">
-              <a:lnSpc>
-                <a:spcPct val="100000"/>
-              </a:lnSpc>
-              <a:spcBef>
-                <a:spcPct val="0"/>
-              </a:spcBef>
-              <a:spcAft>
-                <a:spcPct val="0"/>
-              </a:spcAft>
-              <a:buClrTx/>
-              <a:buSzTx/>
-              <a:buFontTx/>
-              <a:buChar char="•"/>
-              <a:tabLst/>
-            </a:pPr>
-            <a:r>
-              <a:rPr kumimoji="0" lang="en-US" altLang="en-US" sz="1800" b="1" i="0" u="none" strike="noStrike" cap="none" normalizeH="0" baseline="0">
-                <a:ln>
-                  <a:noFill/>
-                </a:ln>
-                <a:solidFill>
-                  <a:schemeClr val="tx1"/>
-                </a:solidFill>
-                <a:effectLst/>
-                <a:latin typeface="Arial" panose="020B0604020202020204" pitchFamily="34" charset="0"/>
+              <a:t>, </a:t>
+            </a:r>
+            <a:r>
+              <a:rPr lang="en-US" sz="2400" dirty="0" err="1">
+                <a:latin typeface="Times New Roman" panose="02020603050405020304" pitchFamily="18" charset="0"/>
+                <a:cs typeface="Times New Roman" panose="02020603050405020304" pitchFamily="18" charset="0"/>
               </a:rPr>
-              <a:t>Heuristic Schema Classification:</a:t>
-            </a:r>
-            <a:r>
-              <a:rPr kumimoji="0" lang="en-US" altLang="en-US" sz="1800" b="0" i="0" u="none" strike="noStrike" cap="none" normalizeH="0" baseline="0">
-                <a:ln>
-                  <a:noFill/>
-                </a:ln>
-                <a:solidFill>
-                  <a:schemeClr val="tx1"/>
-                </a:solidFill>
-                <a:effectLst/>
-                <a:latin typeface="Arial" panose="020B0604020202020204" pitchFamily="34" charset="0"/>
+              <a:t>ShopSmart</a:t>
+            </a:r>
+            <a:r>
+              <a:rPr lang="en-US" sz="2400" dirty="0">
+                <a:latin typeface="Times New Roman" panose="02020603050405020304" pitchFamily="18" charset="0"/>
+                <a:cs typeface="Times New Roman" panose="02020603050405020304" pitchFamily="18" charset="0"/>
               </a:rPr>
-              <a:t> Identifies fact and dimension tables based on foreign-key counts, numeric-column ratios, and cardinality thresholds.</a:t>
-            </a:r>
-          </a:p>
-          <a:p>
-            <a:pPr marL="0" marR="0" lvl="0" indent="0" algn="l" defTabSz="914400" rtl="0" eaLnBrk="0" fontAlgn="base" latinLnBrk="0" hangingPunct="0">
-              <a:lnSpc>
-                <a:spcPct val="100000"/>
-              </a:lnSpc>
-              <a:spcBef>
-                <a:spcPct val="0"/>
-              </a:spcBef>
-              <a:spcAft>
-                <a:spcPct val="0"/>
-              </a:spcAft>
-              <a:buClrTx/>
-              <a:buSzTx/>
-              <a:buFontTx/>
-              <a:buChar char="•"/>
-              <a:tabLst/>
-            </a:pPr>
-            <a:r>
-              <a:rPr kumimoji="0" lang="en-US" altLang="en-US" sz="1800" b="1" i="0" u="none" strike="noStrike" cap="none" normalizeH="0" baseline="0">
-                <a:ln>
-                  <a:noFill/>
-                </a:ln>
-                <a:solidFill>
-                  <a:schemeClr val="tx1"/>
-                </a:solidFill>
-                <a:effectLst/>
-                <a:latin typeface="Arial" panose="020B0604020202020204" pitchFamily="34" charset="0"/>
+              <a:t>, TPC-DS),</a:t>
+            </a:r>
+          </a:p>
+          <a:p>
+            <a:pPr algn="l"/>
+            <a:r>
+              <a:rPr lang="en-US" sz="2400" dirty="0">
+                <a:latin typeface="Times New Roman" panose="02020603050405020304" pitchFamily="18" charset="0"/>
+                <a:cs typeface="Times New Roman" panose="02020603050405020304" pitchFamily="18" charset="0"/>
               </a:rPr>
-              <a:t>AI-Driven Domain Detection &amp; Enhancement:</a:t>
-            </a:r>
-            <a:r>
-              <a:rPr kumimoji="0" lang="en-US" altLang="en-US" sz="1800" b="0" i="0" u="none" strike="noStrike" cap="none" normalizeH="0" baseline="0">
-                <a:ln>
-                  <a:noFill/>
-                </a:ln>
-                <a:solidFill>
-                  <a:schemeClr val="tx1"/>
-                </a:solidFill>
-                <a:effectLst/>
-                <a:latin typeface="Arial" panose="020B0604020202020204" pitchFamily="34" charset="0"/>
+              <a:t>achieving 96% parsing accuracy for complex SQL DDL and 92% domain detection</a:t>
+            </a:r>
+          </a:p>
+          <a:p>
+            <a:pPr algn="l"/>
+            <a:r>
+              <a:rPr lang="en-US" sz="2400" dirty="0">
+                <a:latin typeface="Times New Roman" panose="02020603050405020304" pitchFamily="18" charset="0"/>
+                <a:cs typeface="Times New Roman" panose="02020603050405020304" pitchFamily="18" charset="0"/>
               </a:rPr>
-              <a:t> Uses TF-IDF and BERT embeddings to classify schema context (e.g., retail, healthcare, finance) and suggests missing tables/columns, industry-standard audit fields, and optimization advice (e.g., indexing).</a:t>
-            </a:r>
-          </a:p>
-          <a:p>
-            <a:pPr marL="0" marR="0" lvl="0" indent="0" algn="l" defTabSz="914400" rtl="0" eaLnBrk="0" fontAlgn="base" latinLnBrk="0" hangingPunct="0">
-              <a:lnSpc>
-                <a:spcPct val="100000"/>
-              </a:lnSpc>
-              <a:spcBef>
-                <a:spcPct val="0"/>
-              </a:spcBef>
-              <a:spcAft>
-                <a:spcPct val="0"/>
-              </a:spcAft>
-              <a:buClrTx/>
-              <a:buSzTx/>
-              <a:buFontTx/>
-              <a:buChar char="•"/>
-              <a:tabLst/>
-            </a:pPr>
-            <a:r>
-              <a:rPr kumimoji="0" lang="en-US" altLang="en-US" sz="1800" b="1" i="0" u="none" strike="noStrike" cap="none" normalizeH="0" baseline="0">
-                <a:ln>
-                  <a:noFill/>
-                </a:ln>
-                <a:solidFill>
-                  <a:schemeClr val="tx1"/>
-                </a:solidFill>
-                <a:effectLst/>
-                <a:latin typeface="Arial" panose="020B0604020202020204" pitchFamily="34" charset="0"/>
+              <a:t>accuracy, adapting to contexts like retail and healthcare. It generates 100-table schemas in</a:t>
+            </a:r>
+          </a:p>
+          <a:p>
+            <a:pPr algn="l"/>
+            <a:r>
+              <a:rPr lang="en-US" sz="2400" dirty="0">
+                <a:latin typeface="Times New Roman" panose="02020603050405020304" pitchFamily="18" charset="0"/>
+                <a:cs typeface="Times New Roman" panose="02020603050405020304" pitchFamily="18" charset="0"/>
               </a:rPr>
-              <a:t>Interactive Visualization &amp; Editing:</a:t>
-            </a:r>
-            <a:r>
-              <a:rPr kumimoji="0" lang="en-US" altLang="en-US" sz="1800" b="0" i="0" u="none" strike="noStrike" cap="none" normalizeH="0" baseline="0">
-                <a:ln>
-                  <a:noFill/>
-                </a:ln>
-                <a:solidFill>
-                  <a:schemeClr val="tx1"/>
-                </a:solidFill>
-                <a:effectLst/>
-                <a:latin typeface="Arial" panose="020B0604020202020204" pitchFamily="34" charset="0"/>
+              <a:t>under 5 seconds (e.g., 4.0s for </a:t>
+            </a:r>
+            <a:r>
+              <a:rPr lang="en-US" sz="2400" dirty="0" err="1">
+                <a:latin typeface="Times New Roman" panose="02020603050405020304" pitchFamily="18" charset="0"/>
+                <a:cs typeface="Times New Roman" panose="02020603050405020304" pitchFamily="18" charset="0"/>
               </a:rPr>
-              <a:t> Renders schemas as interactive, draggable graphs using React and ReactFlow, allowing real-time editing, validation, and acceptance/rejection of AI suggestions.</a:t>
-            </a:r>
-          </a:p>
-          <a:p>
-            <a:pPr marL="0" marR="0" lvl="0" indent="0" algn="l" defTabSz="914400" rtl="0" eaLnBrk="0" fontAlgn="base" latinLnBrk="0" hangingPunct="0">
-              <a:lnSpc>
-                <a:spcPct val="100000"/>
-              </a:lnSpc>
-              <a:spcBef>
-                <a:spcPct val="0"/>
-              </a:spcBef>
-              <a:spcAft>
-                <a:spcPct val="0"/>
-              </a:spcAft>
-              <a:buClrTx/>
-              <a:buSzTx/>
-              <a:buFontTx/>
-              <a:buNone/>
-              <a:tabLst/>
-            </a:pPr>
-            <a:r>
-              <a:rPr kumimoji="0" lang="en-US" altLang="en-US" sz="1800" b="1" i="0" u="none" strike="noStrike" cap="none" normalizeH="0" baseline="0">
-                <a:ln>
-                  <a:noFill/>
-                </a:ln>
-                <a:solidFill>
-                  <a:schemeClr val="tx1"/>
-                </a:solidFill>
-                <a:effectLst/>
-                <a:latin typeface="Arial" panose="020B0604020202020204" pitchFamily="34" charset="0"/>
+              <a:t>ShopSmart</a:t>
+            </a:r>
+            <a:r>
+              <a:rPr lang="en-US" sz="2400" dirty="0">
+                <a:latin typeface="Times New Roman" panose="02020603050405020304" pitchFamily="18" charset="0"/>
+                <a:cs typeface="Times New Roman" panose="02020603050405020304" pitchFamily="18" charset="0"/>
               </a:rPr>
-              <a:t>Key Technologies:</a:t>
-            </a:r>
-            <a:endParaRPr kumimoji="0" lang="en-US" altLang="en-US" sz="1800" b="0" i="0" u="none" strike="noStrike" cap="none" normalizeH="0" baseline="0">
-              <a:ln>
-                <a:noFill/>
-              </a:ln>
-              <a:solidFill>
-                <a:schemeClr val="tx1"/>
-              </a:solidFill>
-              <a:effectLst/>
-              <a:latin typeface="Arial" panose="020B0604020202020204" pitchFamily="34" charset="0"/>
-            </a:endParaRPr>
-          </a:p>
-          <a:p>
-            <a:pPr marL="0" marR="0" lvl="0" indent="0" algn="l" defTabSz="914400" rtl="0" eaLnBrk="0" fontAlgn="base" latinLnBrk="0" hangingPunct="0">
-              <a:lnSpc>
-                <a:spcPct val="100000"/>
-              </a:lnSpc>
-              <a:spcBef>
-                <a:spcPct val="0"/>
-              </a:spcBef>
-              <a:spcAft>
-                <a:spcPct val="0"/>
-              </a:spcAft>
-              <a:buClrTx/>
-              <a:buSzTx/>
-              <a:buFontTx/>
-              <a:buChar char="•"/>
-              <a:tabLst/>
-            </a:pPr>
-            <a:r>
-              <a:rPr kumimoji="0" lang="en-US" altLang="en-US" sz="1800" b="1" i="0" u="none" strike="noStrike" cap="none" normalizeH="0" baseline="0">
-                <a:ln>
-                  <a:noFill/>
-                </a:ln>
-                <a:solidFill>
-                  <a:schemeClr val="tx1"/>
-                </a:solidFill>
-                <a:effectLst/>
-                <a:latin typeface="Arial" panose="020B0604020202020204" pitchFamily="34" charset="0"/>
+              <a:t>), far surpassing manual methods. Interactive</a:t>
+            </a:r>
+          </a:p>
+          <a:p>
+            <a:pPr algn="l"/>
+            <a:r>
+              <a:rPr lang="en-US" sz="2400" dirty="0">
+                <a:latin typeface="Times New Roman" panose="02020603050405020304" pitchFamily="18" charset="0"/>
+                <a:cs typeface="Times New Roman" panose="02020603050405020304" pitchFamily="18" charset="0"/>
               </a:rPr>
-              <a:t>Frontend:</a:t>
-            </a:r>
-            <a:r>
-              <a:rPr kumimoji="0" lang="en-US" altLang="en-US" sz="1800" b="0" i="0" u="none" strike="noStrike" cap="none" normalizeH="0" baseline="0">
-                <a:ln>
-                  <a:noFill/>
-                </a:ln>
-                <a:solidFill>
-                  <a:schemeClr val="tx1"/>
-                </a:solidFill>
-                <a:effectLst/>
-                <a:latin typeface="Arial" panose="020B0604020202020204" pitchFamily="34" charset="0"/>
+              <a:t>visualization renders 50-node schemas in 2 seconds, ensuring seamless user interaction.</a:t>
+            </a:r>
+          </a:p>
+          <a:p>
+            <a:pPr algn="l"/>
+            <a:r>
+              <a:rPr lang="en-US" sz="2400" dirty="0">
+                <a:latin typeface="Times New Roman" panose="02020603050405020304" pitchFamily="18" charset="0"/>
+                <a:cs typeface="Times New Roman" panose="02020603050405020304" pitchFamily="18" charset="0"/>
               </a:rPr>
-              <a:t> React, ReactFlow, Tailwind CSS, Axios.</a:t>
-            </a:r>
-          </a:p>
-          <a:p>
-            <a:pPr marL="0" marR="0" lvl="0" indent="0" algn="l" defTabSz="914400" rtl="0" eaLnBrk="0" fontAlgn="base" latinLnBrk="0" hangingPunct="0">
-              <a:lnSpc>
-                <a:spcPct val="100000"/>
-              </a:lnSpc>
-              <a:spcBef>
-                <a:spcPct val="0"/>
-              </a:spcBef>
-              <a:spcAft>
-                <a:spcPct val="0"/>
-              </a:spcAft>
-              <a:buClrTx/>
-              <a:buSzTx/>
-              <a:buFontTx/>
-              <a:buChar char="•"/>
-              <a:tabLst/>
-            </a:pPr>
-            <a:r>
-              <a:rPr kumimoji="0" lang="en-US" altLang="en-US" sz="1800" b="1" i="0" u="none" strike="noStrike" cap="none" normalizeH="0" baseline="0">
-                <a:ln>
-                  <a:noFill/>
-                </a:ln>
-                <a:solidFill>
-                  <a:schemeClr val="tx1"/>
-                </a:solidFill>
-                <a:effectLst/>
-                <a:latin typeface="Arial" panose="020B0604020202020204" pitchFamily="34" charset="0"/>
+              <a:t>User testing (n=10) yields a 4.2/5.0 satisfaction score, with 90% praising real-time</a:t>
+            </a:r>
+          </a:p>
+          <a:p>
+            <a:pPr algn="l"/>
+            <a:r>
+              <a:rPr lang="en-US" sz="2400" dirty="0">
+                <a:latin typeface="Times New Roman" panose="02020603050405020304" pitchFamily="18" charset="0"/>
+                <a:cs typeface="Times New Roman" panose="02020603050405020304" pitchFamily="18" charset="0"/>
               </a:rPr>
-              <a:t>Backend:</a:t>
-            </a:r>
-            <a:r>
-              <a:rPr kumimoji="0" lang="en-US" altLang="en-US" sz="1800" b="0" i="0" u="none" strike="noStrike" cap="none" normalizeH="0" baseline="0">
-                <a:ln>
-                  <a:noFill/>
-                </a:ln>
-                <a:solidFill>
-                  <a:schemeClr val="tx1"/>
-                </a:solidFill>
-                <a:effectLst/>
-                <a:latin typeface="Arial" panose="020B0604020202020204" pitchFamily="34" charset="0"/>
+              <a:t>validation and editing. Error reduction reaches 80%, AI enhancements improve schema</a:t>
+            </a:r>
+          </a:p>
+          <a:p>
+            <a:pPr algn="l"/>
+            <a:r>
+              <a:rPr lang="en-US" sz="2400" dirty="0">
+                <a:latin typeface="Times New Roman" panose="02020603050405020304" pitchFamily="18" charset="0"/>
+                <a:cs typeface="Times New Roman" panose="02020603050405020304" pitchFamily="18" charset="0"/>
               </a:rPr>
-              <a:t> Django REST Framework, Python 3.12, sqlparse, Scikit-Learn, HuggingFace Transformers.</a:t>
-            </a:r>
-          </a:p>
-          <a:p>
-            <a:pPr marL="0" marR="0" lvl="0" indent="0" algn="l" defTabSz="914400" rtl="0" eaLnBrk="0" fontAlgn="base" latinLnBrk="0" hangingPunct="0">
-              <a:lnSpc>
-                <a:spcPct val="100000"/>
-              </a:lnSpc>
-              <a:spcBef>
-                <a:spcPct val="0"/>
-              </a:spcBef>
-              <a:spcAft>
-                <a:spcPct val="0"/>
-              </a:spcAft>
-              <a:buClrTx/>
-              <a:buSzTx/>
-              <a:buFontTx/>
-              <a:buChar char="•"/>
-              <a:tabLst/>
-            </a:pPr>
-            <a:r>
-              <a:rPr kumimoji="0" lang="en-US" altLang="en-US" sz="1800" b="1" i="0" u="none" strike="noStrike" cap="none" normalizeH="0" baseline="0">
-                <a:ln>
-                  <a:noFill/>
-                </a:ln>
-                <a:solidFill>
-                  <a:schemeClr val="tx1"/>
-                </a:solidFill>
-                <a:effectLst/>
-                <a:latin typeface="Arial" panose="020B0604020202020204" pitchFamily="34" charset="0"/>
+              <a:t>quality by 5.1%, and compliance with dimensional modeling best practices rises to 75.6%.</a:t>
+            </a:r>
+          </a:p>
+          <a:p>
+            <a:pPr algn="l"/>
+            <a:r>
+              <a:rPr lang="en-US" sz="2400" b="1" dirty="0" err="1">
+                <a:latin typeface="Times New Roman" panose="02020603050405020304" pitchFamily="18" charset="0"/>
+                <a:cs typeface="Times New Roman" panose="02020603050405020304" pitchFamily="18" charset="0"/>
               </a:rPr>
-              <a:t>AI Services:</a:t>
-            </a:r>
-            <a:r>
-              <a:rPr kumimoji="0" lang="en-US" altLang="en-US" sz="1800" b="0" i="0" u="none" strike="noStrike" cap="none" normalizeH="0" baseline="0">
-                <a:ln>
-                  <a:noFill/>
-                </a:ln>
-                <a:solidFill>
-                  <a:schemeClr val="tx1"/>
-                </a:solidFill>
-                <a:effectLst/>
-                <a:latin typeface="Arial" panose="020B0604020202020204" pitchFamily="34" charset="0"/>
+              <a:t>DataForge</a:t>
+            </a:r>
+            <a:r>
+              <a:rPr lang="en-US" sz="2400" dirty="0">
+                <a:latin typeface="Times New Roman" panose="02020603050405020304" pitchFamily="18" charset="0"/>
+                <a:cs typeface="Times New Roman" panose="02020603050405020304" pitchFamily="18" charset="0"/>
               </a:rPr>
-              <a:t> Google Gemini Flash API, OpenAI API.</a:t>
-            </a:r>
-          </a:p>
-          <a:p>
-            <a:pPr marL="0" marR="0" lvl="0" indent="0" algn="l" defTabSz="914400" rtl="0" eaLnBrk="0" fontAlgn="base" latinLnBrk="0" hangingPunct="0">
-              <a:lnSpc>
-                <a:spcPct val="100000"/>
-              </a:lnSpc>
-              <a:spcBef>
-                <a:spcPct val="0"/>
-              </a:spcBef>
-              <a:spcAft>
-                <a:spcPct val="0"/>
-              </a:spcAft>
-              <a:buClrTx/>
-              <a:buSzTx/>
-              <a:buFontTx/>
-              <a:buChar char="•"/>
-              <a:tabLst/>
-            </a:pPr>
-            <a:r>
-              <a:rPr kumimoji="0" lang="en-US" altLang="en-US" sz="1800" b="1" i="0" u="none" strike="noStrike" cap="none" normalizeH="0" baseline="0">
-                <a:ln>
-                  <a:noFill/>
-                </a:ln>
-                <a:solidFill>
-                  <a:schemeClr val="tx1"/>
-                </a:solidFill>
-                <a:effectLst/>
-                <a:latin typeface="Arial" panose="020B0604020202020204" pitchFamily="34" charset="0"/>
+              <a:t> supports multiple SQL dialects and ensures robust referential integrity,</a:t>
+            </a:r>
+          </a:p>
+          <a:p>
+            <a:pPr algn="l"/>
+            <a:r>
+              <a:rPr lang="en-US" sz="2400" dirty="0">
+                <a:latin typeface="Times New Roman" panose="02020603050405020304" pitchFamily="18" charset="0"/>
+                <a:cs typeface="Times New Roman" panose="02020603050405020304" pitchFamily="18" charset="0"/>
               </a:rPr>
-              <a:t>Persistence:</a:t>
-            </a:r>
-            <a:r>
-              <a:rPr kumimoji="0" lang="en-US" altLang="en-US" sz="1800" b="0" i="0" u="none" strike="noStrike" cap="none" normalizeH="0" baseline="0">
-                <a:ln>
-                  <a:noFill/>
-                </a:ln>
-                <a:solidFill>
-                  <a:schemeClr val="tx1"/>
-                </a:solidFill>
-                <a:effectLst/>
-                <a:latin typeface="Arial" panose="020B0604020202020204" pitchFamily="34" charset="0"/>
-              </a:rPr>
-              <a:t> PostgreSQL.</a:t>
-            </a:r>
-          </a:p>
-          <a:p>
-            <a:pPr marL="0" marR="0" lvl="0" indent="0" algn="l" defTabSz="914400" rtl="0" eaLnBrk="0" fontAlgn="base" latinLnBrk="0" hangingPunct="0">
-              <a:lnSpc>
-                <a:spcPct val="100000"/>
-              </a:lnSpc>
-              <a:spcBef>
-                <a:spcPct val="0"/>
-              </a:spcBef>
-              <a:spcAft>
-                <a:spcPct val="0"/>
-              </a:spcAft>
-              <a:buClrTx/>
-              <a:buSzTx/>
-              <a:buFontTx/>
-              <a:buNone/>
-              <a:tabLst/>
-            </a:pPr>
-            <a:endParaRPr kumimoji="0" lang="en-US" altLang="en-US" sz="1800" b="0" i="0" u="none" strike="noStrike" cap="none" normalizeH="0" baseline="0">
-              <a:ln>
-                <a:noFill/>
-              </a:ln>
-              <a:solidFill>
-                <a:schemeClr val="tx1"/>
-              </a:solidFill>
-              <a:effectLst/>
-              <a:latin typeface="Arial" panose="020B0604020202020204" pitchFamily="34" charset="0"/>
-            </a:endParaRPr>
+              <a:t>enabling scalable, reliable data warehousing for efficient analytics.</a:t>
+            </a:r>
           </a:p>
         </p:txBody>
       </p:sp>
       <p:pic>
         <p:nvPicPr>
-          <p:cNvPr id="11" name="Picture 10" descr="A computer screen shot of a chart">
+          <p:cNvPr id="10" name="Picture 9">
             <a:extLst>
               <a:ext uri="{FF2B5EF4-FFF2-40B4-BE49-F238E27FC236}">
-                <a16:creationId xmlns:a16="http://schemas.microsoft.com/office/drawing/2014/main" id="{8D14735A-4417-5543-BF0C-72215F6EFF80}"/>
+                <a16:creationId xmlns:a16="http://schemas.microsoft.com/office/drawing/2014/main" id="{C66C614B-9321-60C6-8783-A31E1DFA1365}"/>
               </a:ext>
             </a:extLst>
           </p:cNvPr>
@@ -7304,7 +6327,327 @@
           <p:nvPr/>
         </p:nvPicPr>
         <p:blipFill>
-          <a:blip r:embed="rId6">
+          <a:blip r:embed="rId5"/>
+          <a:stretch>
+            <a:fillRect/>
+          </a:stretch>
+        </p:blipFill>
+        <p:spPr>
+          <a:xfrm>
+            <a:off x="13174663" y="21956484"/>
+            <a:ext cx="11050586" cy="4154984"/>
+          </a:xfrm>
+          <a:prstGeom prst="rect">
+            <a:avLst/>
+          </a:prstGeom>
+        </p:spPr>
+      </p:pic>
+      <p:pic>
+        <p:nvPicPr>
+          <p:cNvPr id="13" name="Picture 12">
+            <a:extLst>
+              <a:ext uri="{FF2B5EF4-FFF2-40B4-BE49-F238E27FC236}">
+                <a16:creationId xmlns:a16="http://schemas.microsoft.com/office/drawing/2014/main" id="{2289AFD5-5C23-1CA7-1620-70491CC8AD7E}"/>
+              </a:ext>
+            </a:extLst>
+          </p:cNvPr>
+          <p:cNvPicPr>
+            <a:picLocks noChangeAspect="1"/>
+          </p:cNvPicPr>
+          <p:nvPr/>
+        </p:nvPicPr>
+        <p:blipFill>
+          <a:blip r:embed="rId6"/>
+          <a:stretch>
+            <a:fillRect/>
+          </a:stretch>
+        </p:blipFill>
+        <p:spPr>
+          <a:xfrm>
+            <a:off x="13271004" y="16993896"/>
+            <a:ext cx="11101432" cy="4154984"/>
+          </a:xfrm>
+          <a:prstGeom prst="rect">
+            <a:avLst/>
+          </a:prstGeom>
+        </p:spPr>
+      </p:pic>
+      <p:sp>
+        <p:nvSpPr>
+          <p:cNvPr id="16" name="TextBox 15">
+            <a:extLst>
+              <a:ext uri="{FF2B5EF4-FFF2-40B4-BE49-F238E27FC236}">
+                <a16:creationId xmlns:a16="http://schemas.microsoft.com/office/drawing/2014/main" id="{4C7C3F2D-8C51-A382-66E4-D541D1FEECA4}"/>
+              </a:ext>
+            </a:extLst>
+          </p:cNvPr>
+          <p:cNvSpPr txBox="1"/>
+          <p:nvPr/>
+        </p:nvSpPr>
+        <p:spPr>
+          <a:xfrm>
+            <a:off x="15042944" y="16425519"/>
+            <a:ext cx="7137808" cy="461665"/>
+          </a:xfrm>
+          <a:prstGeom prst="rect">
+            <a:avLst/>
+          </a:prstGeom>
+          <a:noFill/>
+        </p:spPr>
+        <p:txBody>
+          <a:bodyPr wrap="square">
+            <a:spAutoFit/>
+          </a:bodyPr>
+          <a:lstStyle/>
+          <a:p>
+            <a:r>
+              <a:rPr lang="en-US" sz="2400" b="1" dirty="0">
+                <a:latin typeface="Times New Roman" panose="02020603050405020304" pitchFamily="18" charset="0"/>
+                <a:cs typeface="Times New Roman" panose="02020603050405020304" pitchFamily="18" charset="0"/>
+              </a:rPr>
+              <a:t>Performance Metrics of Proposed Solutions</a:t>
+            </a:r>
+          </a:p>
+        </p:txBody>
+      </p:sp>
+      <p:sp>
+        <p:nvSpPr>
+          <p:cNvPr id="18" name="TextBox 17">
+            <a:extLst>
+              <a:ext uri="{FF2B5EF4-FFF2-40B4-BE49-F238E27FC236}">
+                <a16:creationId xmlns:a16="http://schemas.microsoft.com/office/drawing/2014/main" id="{9DEB1CA0-620E-493F-5746-6883F9B8458F}"/>
+              </a:ext>
+            </a:extLst>
+          </p:cNvPr>
+          <p:cNvSpPr txBox="1"/>
+          <p:nvPr/>
+        </p:nvSpPr>
+        <p:spPr>
+          <a:xfrm>
+            <a:off x="12937178" y="21235950"/>
+            <a:ext cx="11769085" cy="461665"/>
+          </a:xfrm>
+          <a:prstGeom prst="rect">
+            <a:avLst/>
+          </a:prstGeom>
+          <a:noFill/>
+        </p:spPr>
+        <p:txBody>
+          <a:bodyPr wrap="square">
+            <a:spAutoFit/>
+          </a:bodyPr>
+          <a:lstStyle/>
+          <a:p>
+            <a:r>
+              <a:rPr lang="en-US" sz="2400" b="1" dirty="0">
+                <a:latin typeface="Times New Roman" panose="02020603050405020304" pitchFamily="18" charset="0"/>
+                <a:cs typeface="Times New Roman" panose="02020603050405020304" pitchFamily="18" charset="0"/>
+              </a:rPr>
+              <a:t>Dataset Performance Summary</a:t>
+            </a:r>
+          </a:p>
+        </p:txBody>
+      </p:sp>
+      <p:sp>
+        <p:nvSpPr>
+          <p:cNvPr id="24" name="TextBox 23">
+            <a:extLst>
+              <a:ext uri="{FF2B5EF4-FFF2-40B4-BE49-F238E27FC236}">
+                <a16:creationId xmlns:a16="http://schemas.microsoft.com/office/drawing/2014/main" id="{A3496C56-6F8A-3177-753E-CDC3233D5E3F}"/>
+              </a:ext>
+            </a:extLst>
+          </p:cNvPr>
+          <p:cNvSpPr txBox="1"/>
+          <p:nvPr/>
+        </p:nvSpPr>
+        <p:spPr>
+          <a:xfrm>
+            <a:off x="15907384" y="7165975"/>
+            <a:ext cx="5685156" cy="1046440"/>
+          </a:xfrm>
+          <a:prstGeom prst="rect">
+            <a:avLst/>
+          </a:prstGeom>
+          <a:noFill/>
+        </p:spPr>
+        <p:txBody>
+          <a:bodyPr wrap="square">
+            <a:spAutoFit/>
+          </a:bodyPr>
+          <a:lstStyle/>
+          <a:p>
+            <a:r>
+              <a:rPr lang="en-US" sz="6200" b="1" dirty="0">
+                <a:effectLst/>
+                <a:latin typeface="Times New Roman" panose="02020603050405020304" pitchFamily="18" charset="0"/>
+                <a:cs typeface="Times New Roman" panose="02020603050405020304" pitchFamily="18" charset="0"/>
+              </a:rPr>
+              <a:t>Key Algorithms</a:t>
+            </a:r>
+          </a:p>
+        </p:txBody>
+      </p:sp>
+      <p:sp>
+        <p:nvSpPr>
+          <p:cNvPr id="28" name="TextBox 27">
+            <a:extLst>
+              <a:ext uri="{FF2B5EF4-FFF2-40B4-BE49-F238E27FC236}">
+                <a16:creationId xmlns:a16="http://schemas.microsoft.com/office/drawing/2014/main" id="{EC220589-56A7-76A2-0E12-9115EAFC0F16}"/>
+              </a:ext>
+            </a:extLst>
+          </p:cNvPr>
+          <p:cNvSpPr txBox="1"/>
+          <p:nvPr/>
+        </p:nvSpPr>
+        <p:spPr>
+          <a:xfrm>
+            <a:off x="13191255" y="8451474"/>
+            <a:ext cx="11801475" cy="2308324"/>
+          </a:xfrm>
+          <a:prstGeom prst="rect">
+            <a:avLst/>
+          </a:prstGeom>
+          <a:noFill/>
+        </p:spPr>
+        <p:txBody>
+          <a:bodyPr wrap="square">
+            <a:spAutoFit/>
+          </a:bodyPr>
+          <a:lstStyle/>
+          <a:p>
+            <a:pPr marL="342900" indent="-342900" algn="l">
+              <a:buFont typeface="Arial" panose="020B0604020202020204" pitchFamily="34" charset="0"/>
+              <a:buChar char="•"/>
+            </a:pPr>
+            <a:r>
+              <a:rPr lang="en-US" sz="2400" dirty="0">
+                <a:latin typeface="Times New Roman" panose="02020603050405020304" pitchFamily="18" charset="0"/>
+                <a:cs typeface="Times New Roman" panose="02020603050405020304" pitchFamily="18" charset="0"/>
+              </a:rPr>
+              <a:t>Regex-Based SQL Parsing</a:t>
+            </a:r>
+          </a:p>
+          <a:p>
+            <a:pPr marL="342900" indent="-342900" algn="l">
+              <a:buFont typeface="Arial" panose="020B0604020202020204" pitchFamily="34" charset="0"/>
+              <a:buChar char="•"/>
+            </a:pPr>
+            <a:r>
+              <a:rPr lang="en-US" sz="2400" dirty="0">
+                <a:latin typeface="Times New Roman" panose="02020603050405020304" pitchFamily="18" charset="0"/>
+                <a:cs typeface="Times New Roman" panose="02020603050405020304" pitchFamily="18" charset="0"/>
+              </a:rPr>
+              <a:t>BERT Fine-tuned Domain Detection</a:t>
+            </a:r>
+          </a:p>
+          <a:p>
+            <a:pPr marL="342900" indent="-342900" algn="l">
+              <a:buFont typeface="Arial" panose="020B0604020202020204" pitchFamily="34" charset="0"/>
+              <a:buChar char="•"/>
+            </a:pPr>
+            <a:r>
+              <a:rPr lang="en-US" sz="2400" dirty="0">
+                <a:latin typeface="Times New Roman" panose="02020603050405020304" pitchFamily="18" charset="0"/>
+                <a:cs typeface="Times New Roman" panose="02020603050405020304" pitchFamily="18" charset="0"/>
+              </a:rPr>
+              <a:t>Vector Similarity Matching</a:t>
+            </a:r>
+          </a:p>
+          <a:p>
+            <a:pPr marL="342900" indent="-342900" algn="l">
+              <a:buFont typeface="Arial" panose="020B0604020202020204" pitchFamily="34" charset="0"/>
+              <a:buChar char="•"/>
+            </a:pPr>
+            <a:r>
+              <a:rPr lang="en-US" sz="2400" dirty="0">
+                <a:latin typeface="Times New Roman" panose="02020603050405020304" pitchFamily="18" charset="0"/>
+                <a:cs typeface="Times New Roman" panose="02020603050405020304" pitchFamily="18" charset="0"/>
+              </a:rPr>
+              <a:t>Rule-Based Enhancement Engine</a:t>
+            </a:r>
+          </a:p>
+          <a:p>
+            <a:pPr marL="342900" indent="-342900" algn="l">
+              <a:buFont typeface="Arial" panose="020B0604020202020204" pitchFamily="34" charset="0"/>
+              <a:buChar char="•"/>
+            </a:pPr>
+            <a:r>
+              <a:rPr lang="en-US" sz="2400" dirty="0">
+                <a:latin typeface="Times New Roman" panose="02020603050405020304" pitchFamily="18" charset="0"/>
+                <a:cs typeface="Times New Roman" panose="02020603050405020304" pitchFamily="18" charset="0"/>
+              </a:rPr>
+              <a:t>Gemini Schema Validation &amp; Data Warehouse Enhancement</a:t>
+            </a:r>
+          </a:p>
+          <a:p>
+            <a:pPr marL="342900" indent="-342900" algn="l">
+              <a:buFont typeface="Arial" panose="020B0604020202020204" pitchFamily="34" charset="0"/>
+              <a:buChar char="•"/>
+            </a:pPr>
+            <a:r>
+              <a:rPr lang="en-US" sz="2400" dirty="0">
+                <a:latin typeface="Times New Roman" panose="02020603050405020304" pitchFamily="18" charset="0"/>
+                <a:cs typeface="Times New Roman" panose="02020603050405020304" pitchFamily="18" charset="0"/>
+              </a:rPr>
+              <a:t>Advanced Tokenization &amp; Realistic Data Generation</a:t>
+            </a:r>
+          </a:p>
+        </p:txBody>
+      </p:sp>
+      <p:sp>
+        <p:nvSpPr>
+          <p:cNvPr id="36" name="TextBox 35">
+            <a:extLst>
+              <a:ext uri="{FF2B5EF4-FFF2-40B4-BE49-F238E27FC236}">
+                <a16:creationId xmlns:a16="http://schemas.microsoft.com/office/drawing/2014/main" id="{BD7B88C6-DE3E-D078-3E38-7A59C7C6AFDB}"/>
+              </a:ext>
+            </a:extLst>
+          </p:cNvPr>
+          <p:cNvSpPr txBox="1"/>
+          <p:nvPr/>
+        </p:nvSpPr>
+        <p:spPr>
+          <a:xfrm>
+            <a:off x="2900840" y="20852825"/>
+            <a:ext cx="7099935" cy="1077218"/>
+          </a:xfrm>
+          <a:prstGeom prst="rect">
+            <a:avLst/>
+          </a:prstGeom>
+          <a:noFill/>
+        </p:spPr>
+        <p:txBody>
+          <a:bodyPr wrap="square">
+            <a:spAutoFit/>
+          </a:bodyPr>
+          <a:lstStyle/>
+          <a:p>
+            <a:r>
+              <a:rPr lang="en-US" sz="6200" b="1" dirty="0">
+                <a:latin typeface="Times New Roman" panose="02020603050405020304" pitchFamily="18" charset="0"/>
+                <a:cs typeface="Times New Roman" panose="02020603050405020304" pitchFamily="18" charset="0"/>
+              </a:rPr>
+              <a:t>System Architecture</a:t>
+            </a:r>
+          </a:p>
+        </p:txBody>
+      </p:sp>
+      <p:pic>
+        <p:nvPicPr>
+          <p:cNvPr id="40" name="Picture 39" descr="A screenshot of a computer">
+            <a:extLst>
+              <a:ext uri="{FF2B5EF4-FFF2-40B4-BE49-F238E27FC236}">
+                <a16:creationId xmlns:a16="http://schemas.microsoft.com/office/drawing/2014/main" id="{B64EFA10-DF06-704A-78FC-1ECEB5098707}"/>
+              </a:ext>
+            </a:extLst>
+          </p:cNvPr>
+          <p:cNvPicPr>
+            <a:picLocks noChangeAspect="1"/>
+          </p:cNvPicPr>
+          <p:nvPr/>
+        </p:nvPicPr>
+        <p:blipFill>
+          <a:blip r:embed="rId7">
             <a:extLst>
               <a:ext uri="{28A0092B-C50C-407E-A947-70E740481C1C}">
                 <a14:useLocalDpi xmlns:a14="http://schemas.microsoft.com/office/drawing/2010/main" val="0"/>
@@ -7317,8 +6660,8 @@
         </p:blipFill>
         <p:spPr>
           <a:xfrm>
-            <a:off x="166687" y="23006327"/>
-            <a:ext cx="12403137" cy="11474173"/>
+            <a:off x="662963" y="22382270"/>
+            <a:ext cx="11691936" cy="6091895"/>
           </a:xfrm>
           <a:prstGeom prst="rect">
             <a:avLst/>
@@ -7327,10 +6670,10 @@
       </p:pic>
       <p:pic>
         <p:nvPicPr>
-          <p:cNvPr id="15" name="Picture 14">
+          <p:cNvPr id="2" name="Picture 1" descr="A diagram of a software algorithm&#10;&#10;AI-generated content may be incorrect.">
             <a:extLst>
               <a:ext uri="{FF2B5EF4-FFF2-40B4-BE49-F238E27FC236}">
-                <a16:creationId xmlns:a16="http://schemas.microsoft.com/office/drawing/2014/main" id="{B50C1A27-D87F-A0BE-A8BD-7F226B77BA3C}"/>
+                <a16:creationId xmlns:a16="http://schemas.microsoft.com/office/drawing/2014/main" id="{4983B2FA-F6CD-9397-5DBA-770840D4A479}"/>
               </a:ext>
             </a:extLst>
           </p:cNvPr>
@@ -7340,15 +6683,21 @@
           <p:nvPr/>
         </p:nvPicPr>
         <p:blipFill>
-          <a:blip r:embed="rId7"/>
+          <a:blip r:embed="rId8">
+            <a:extLst>
+              <a:ext uri="{28A0092B-C50C-407E-A947-70E740481C1C}">
+                <a14:useLocalDpi xmlns:a14="http://schemas.microsoft.com/office/drawing/2010/main" val="0"/>
+              </a:ext>
+            </a:extLst>
+          </a:blip>
           <a:stretch>
             <a:fillRect/>
           </a:stretch>
         </p:blipFill>
         <p:spPr>
           <a:xfrm>
-            <a:off x="13714254" y="12971900"/>
-            <a:ext cx="10126980" cy="5999869"/>
+            <a:off x="2416969" y="28494355"/>
+            <a:ext cx="7810500" cy="5905500"/>
           </a:xfrm>
           <a:prstGeom prst="rect">
             <a:avLst/>
@@ -7357,10 +6706,10 @@
       </p:pic>
       <p:sp>
         <p:nvSpPr>
-          <p:cNvPr id="3" name="TextBox 2">
+          <p:cNvPr id="6" name="TextBox 5">
             <a:extLst>
               <a:ext uri="{FF2B5EF4-FFF2-40B4-BE49-F238E27FC236}">
-                <a16:creationId xmlns:a16="http://schemas.microsoft.com/office/drawing/2014/main" id="{BEC531C7-8F36-21AD-2999-CF31EC0A5A2F}"/>
+                <a16:creationId xmlns:a16="http://schemas.microsoft.com/office/drawing/2014/main" id="{A7E0AE09-D1CC-FD4A-C4E4-7898E3BAA418}"/>
               </a:ext>
             </a:extLst>
           </p:cNvPr>
@@ -7369,8 +6718,8 @@
         </p:nvSpPr>
         <p:spPr>
           <a:xfrm>
-            <a:off x="13305630" y="8610600"/>
-            <a:ext cx="10954546" cy="4847481"/>
+            <a:off x="251568" y="34355417"/>
+            <a:ext cx="12100770" cy="461665"/>
           </a:xfrm>
           <a:prstGeom prst="rect">
             <a:avLst/>
@@ -7378,64 +6727,25 @@
           <a:noFill/>
         </p:spPr>
         <p:txBody>
-          <a:bodyPr wrap="square" rtlCol="0">
+          <a:bodyPr wrap="square">
             <a:spAutoFit/>
           </a:bodyPr>
           <a:lstStyle/>
           <a:p>
-            <a:pPr algn="just"/>
-            <a:r>
-              <a:rPr lang="en-US" sz="2400" dirty="0">
+            <a:r>
+              <a:rPr lang="en-US" sz="2400" b="1" dirty="0" err="1">
                 <a:latin typeface="Times New Roman" panose="02020603050405020304" pitchFamily="18" charset="0"/>
                 <a:cs typeface="Times New Roman" panose="02020603050405020304" pitchFamily="18" charset="0"/>
               </a:rPr>
-              <a:t>DataForge excels across diverse datasets (</a:t>
-            </a:r>
-            <a:r>
-              <a:rPr lang="en-US" sz="2400" dirty="0" err="1">
+              <a:t>DataForge</a:t>
+            </a:r>
+            <a:r>
+              <a:rPr lang="en-US" sz="2400" b="1" dirty="0">
                 <a:latin typeface="Times New Roman" panose="02020603050405020304" pitchFamily="18" charset="0"/>
                 <a:cs typeface="Times New Roman" panose="02020603050405020304" pitchFamily="18" charset="0"/>
               </a:rPr>
-              <a:t>AdventureWorksDW</a:t>
-            </a:r>
-            <a:r>
-              <a:rPr lang="en-US" sz="2400" dirty="0">
-                <a:latin typeface="Times New Roman" panose="02020603050405020304" pitchFamily="18" charset="0"/>
-                <a:cs typeface="Times New Roman" panose="02020603050405020304" pitchFamily="18" charset="0"/>
-              </a:rPr>
-              <a:t>, </a:t>
-            </a:r>
-            <a:r>
-              <a:rPr lang="en-US" sz="2400" dirty="0" err="1">
-                <a:latin typeface="Times New Roman" panose="02020603050405020304" pitchFamily="18" charset="0"/>
-                <a:cs typeface="Times New Roman" panose="02020603050405020304" pitchFamily="18" charset="0"/>
-              </a:rPr>
-              <a:t>ShopSmart</a:t>
-            </a:r>
-            <a:r>
-              <a:rPr lang="en-US" sz="2400" dirty="0">
-                <a:latin typeface="Times New Roman" panose="02020603050405020304" pitchFamily="18" charset="0"/>
-                <a:cs typeface="Times New Roman" panose="02020603050405020304" pitchFamily="18" charset="0"/>
-              </a:rPr>
-              <a:t>, TPC-DS), achieving 96% parsing accuracy for complex SQL DDL and 92% domain detection accuracy, adapting to contexts like retail and healthcare. It generates 100-table schemas in under 5 seconds (e.g., 4.0s for </a:t>
-            </a:r>
-            <a:r>
-              <a:rPr lang="en-US" sz="2400" dirty="0" err="1">
-                <a:latin typeface="Times New Roman" panose="02020603050405020304" pitchFamily="18" charset="0"/>
-                <a:cs typeface="Times New Roman" panose="02020603050405020304" pitchFamily="18" charset="0"/>
-              </a:rPr>
-              <a:t>ShopSmart</a:t>
-            </a:r>
-            <a:r>
-              <a:rPr lang="en-US" sz="2400" dirty="0">
-                <a:latin typeface="Times New Roman" panose="02020603050405020304" pitchFamily="18" charset="0"/>
-                <a:cs typeface="Times New Roman" panose="02020603050405020304" pitchFamily="18" charset="0"/>
-              </a:rPr>
-              <a:t>), far surpassing manual methods. Interactive visualization renders 50-node schemas in 2 seconds, ensuring seamless user interaction. User testing (n=10) yields a 4.2/5.0 satisfaction score, with 90% praising real-time validation and editing. Error reduction reaches 80%, AI enhancements improve schema quality by 5.1%, and compliance with dimensional modeling best practices rises to 75.6%. The system supports multiple SQL dialects and ensures robust referential integrity, enabling scalable, reliable data warehousing for efficient analytics.</a:t>
-            </a:r>
-          </a:p>
-          <a:p>
-            <a:endParaRPr lang="en-US" dirty="0"/>
+              <a:t> Workflow: Automated Schema Generation Process</a:t>
+            </a:r>
           </a:p>
         </p:txBody>
       </p:sp>
@@ -8636,213 +7946,4 @@
   <a:objectDefaults/>
   <a:extraClrSchemeLst/>
 </a:theme>
-</file>
-
-<file path=customXml/item1.xml><?xml version="1.0" encoding="utf-8"?>
-<ct:contentTypeSchema xmlns:ct="http://schemas.microsoft.com/office/2006/metadata/contentType" xmlns:ma="http://schemas.microsoft.com/office/2006/metadata/properties/metaAttributes" ct:_="" ma:_="" ma:contentTypeName="Document" ma:contentTypeID="0x0101002B76BC484DE2E2458D7182D2DBA09EB1" ma:contentTypeVersion="5" ma:contentTypeDescription="Create a new document." ma:contentTypeScope="" ma:versionID="0e01bfa9da09ad16afec2ddb03abfd98">
-  <xsd:schema xmlns:xsd="http://www.w3.org/2001/XMLSchema" xmlns:xs="http://www.w3.org/2001/XMLSchema" xmlns:p="http://schemas.microsoft.com/office/2006/metadata/properties" xmlns:ns3="a7b80a2f-cd32-40cd-956b-7f188a79921d" targetNamespace="http://schemas.microsoft.com/office/2006/metadata/properties" ma:root="true" ma:fieldsID="3bd66eda4e54495716ca7e1cd3aabf0d" ns3:_="">
-    <xsd:import namespace="a7b80a2f-cd32-40cd-956b-7f188a79921d"/>
-    <xsd:element name="properties">
-      <xsd:complexType>
-        <xsd:sequence>
-          <xsd:element name="documentManagement">
-            <xsd:complexType>
-              <xsd:all>
-                <xsd:element ref="ns3:MediaServiceMetadata" minOccurs="0"/>
-                <xsd:element ref="ns3:MediaServiceFastMetadata" minOccurs="0"/>
-                <xsd:element ref="ns3:MediaServiceSearchProperties" minOccurs="0"/>
-                <xsd:element ref="ns3:MediaServiceObjectDetectorVersions" minOccurs="0"/>
-                <xsd:element ref="ns3:_activity" minOccurs="0"/>
-              </xsd:all>
-            </xsd:complexType>
-          </xsd:element>
-        </xsd:sequence>
-      </xsd:complexType>
-    </xsd:element>
-  </xsd:schema>
-  <xsd:schema xmlns:xsd="http://www.w3.org/2001/XMLSchema" xmlns:xs="http://www.w3.org/2001/XMLSchema" xmlns:dms="http://schemas.microsoft.com/office/2006/documentManagement/types" xmlns:pc="http://schemas.microsoft.com/office/infopath/2007/PartnerControls" targetNamespace="a7b80a2f-cd32-40cd-956b-7f188a79921d" elementFormDefault="qualified">
-    <xsd:import namespace="http://schemas.microsoft.com/office/2006/documentManagement/types"/>
-    <xsd:import namespace="http://schemas.microsoft.com/office/infopath/2007/PartnerControls"/>
-    <xsd:element name="MediaServiceMetadata" ma:index="8" nillable="true" ma:displayName="MediaServiceMetadata" ma:hidden="true" ma:internalName="MediaServiceMetadata" ma:readOnly="true">
-      <xsd:simpleType>
-        <xsd:restriction base="dms:Note"/>
-      </xsd:simpleType>
-    </xsd:element>
-    <xsd:element name="MediaServiceFastMetadata" ma:index="9" nillable="true" ma:displayName="MediaServiceFastMetadata" ma:hidden="true" ma:internalName="MediaServiceFastMetadata" ma:readOnly="true">
-      <xsd:simpleType>
-        <xsd:restriction base="dms:Note"/>
-      </xsd:simpleType>
-    </xsd:element>
-    <xsd:element name="MediaServiceSearchProperties" ma:index="10" nillable="true" ma:displayName="MediaServiceSearchProperties" ma:hidden="true" ma:internalName="MediaServiceSearchProperties" ma:readOnly="true">
-      <xsd:simpleType>
-        <xsd:restriction base="dms:Note"/>
-      </xsd:simpleType>
-    </xsd:element>
-    <xsd:element name="MediaServiceObjectDetectorVersions" ma:index="11" nillable="true" ma:displayName="MediaServiceObjectDetectorVersions" ma:hidden="true" ma:indexed="true" ma:internalName="MediaServiceObjectDetectorVersions" ma:readOnly="true">
-      <xsd:simpleType>
-        <xsd:restriction base="dms:Text"/>
-      </xsd:simpleType>
-    </xsd:element>
-    <xsd:element name="_activity" ma:index="12" nillable="true" ma:displayName="_activity" ma:hidden="true" ma:internalName="_activity">
-      <xsd:simpleType>
-        <xsd:restriction base="dms:Note"/>
-      </xsd:simpleType>
-    </xsd:element>
-  </xsd:schema>
-  <xsd:schema xmlns="http://schemas.openxmlformats.org/package/2006/metadata/core-properties" xmlns:xsd="http://www.w3.org/2001/XMLSchema" xmlns:xsi="http://www.w3.org/2001/XMLSchema-instance" xmlns:dc="http://purl.org/dc/elements/1.1/" xmlns:dcterms="http://purl.org/dc/terms/" xmlns:odoc="http://schemas.microsoft.com/internal/obd" targetNamespace="http://schemas.openxmlformats.org/package/2006/metadata/core-properties" elementFormDefault="qualified" attributeFormDefault="unqualified" blockDefault="#all">
-    <xsd:import namespace="http://purl.org/dc/elements/1.1/" schemaLocation="http://dublincore.org/schemas/xmls/qdc/2003/04/02/dc.xsd"/>
-    <xsd:import namespace="http://purl.org/dc/terms/" schemaLocation="http://dublincore.org/schemas/xmls/qdc/2003/04/02/dcterms.xsd"/>
-    <xsd:element name="coreProperties" type="CT_coreProperties"/>
-    <xsd:complexType name="CT_coreProperties">
-      <xsd:all>
-        <xsd:element ref="dc:creator" minOccurs="0" maxOccurs="1"/>
-        <xsd:element ref="dcterms:created" minOccurs="0" maxOccurs="1"/>
-        <xsd:element ref="dc:identifier" minOccurs="0" maxOccurs="1"/>
-        <xsd:element name="contentType" minOccurs="0" maxOccurs="1" type="xsd:string" ma:index="0" ma:displayName="Content Type"/>
-        <xsd:element ref="dc:title" minOccurs="0" maxOccurs="1" ma:index="4" ma:displayName="Title"/>
-        <xsd:element ref="dc:subject" minOccurs="0" maxOccurs="1"/>
-        <xsd:element ref="dc:description" minOccurs="0" maxOccurs="1"/>
-        <xsd:element name="keywords" minOccurs="0" maxOccurs="1" type="xsd:string"/>
-        <xsd:element ref="dc:language" minOccurs="0" maxOccurs="1"/>
-        <xsd:element name="category" minOccurs="0" maxOccurs="1" type="xsd:string"/>
-        <xsd:element name="version" minOccurs="0" maxOccurs="1" type="xsd:string"/>
-        <xsd:element name="revision" minOccurs="0" maxOccurs="1" type="xsd:string">
-          <xsd:annotation>
-            <xsd:documentation>
-                        This value indicates the number of saves or revisions. The application is responsible for updating this value after each revision.
-                    </xsd:documentation>
-          </xsd:annotation>
-        </xsd:element>
-        <xsd:element name="lastModifiedBy" minOccurs="0" maxOccurs="1" type="xsd:string"/>
-        <xsd:element ref="dcterms:modified" minOccurs="0" maxOccurs="1"/>
-        <xsd:element name="contentStatus" minOccurs="0" maxOccurs="1" type="xsd:string"/>
-      </xsd:all>
-    </xsd:complexType>
-  </xsd:schema>
-  <xs:schema xmlns:pc="http://schemas.microsoft.com/office/infopath/2007/PartnerControls" xmlns:xs="http://www.w3.org/2001/XMLSchema" targetNamespace="http://schemas.microsoft.com/office/infopath/2007/PartnerControls" elementFormDefault="qualified" attributeFormDefault="unqualified">
-    <xs:element name="Person">
-      <xs:complexType>
-        <xs:sequence>
-          <xs:element ref="pc:DisplayName" minOccurs="0"/>
-          <xs:element ref="pc:AccountId" minOccurs="0"/>
-          <xs:element ref="pc:AccountType" minOccurs="0"/>
-        </xs:sequence>
-      </xs:complexType>
-    </xs:element>
-    <xs:element name="DisplayName" type="xs:string"/>
-    <xs:element name="AccountId" type="xs:string"/>
-    <xs:element name="AccountType" type="xs:string"/>
-    <xs:element name="BDCAssociatedEntity">
-      <xs:complexType>
-        <xs:sequence>
-          <xs:element ref="pc:BDCEntity" minOccurs="0" maxOccurs="unbounded"/>
-        </xs:sequence>
-        <xs:attribute ref="pc:EntityNamespace"/>
-        <xs:attribute ref="pc:EntityName"/>
-        <xs:attribute ref="pc:SystemInstanceName"/>
-        <xs:attribute ref="pc:AssociationName"/>
-      </xs:complexType>
-    </xs:element>
-    <xs:attribute name="EntityNamespace" type="xs:string"/>
-    <xs:attribute name="EntityName" type="xs:string"/>
-    <xs:attribute name="SystemInstanceName" type="xs:string"/>
-    <xs:attribute name="AssociationName" type="xs:string"/>
-    <xs:element name="BDCEntity">
-      <xs:complexType>
-        <xs:sequence>
-          <xs:element ref="pc:EntityDisplayName" minOccurs="0"/>
-          <xs:element ref="pc:EntityInstanceReference" minOccurs="0"/>
-          <xs:element ref="pc:EntityId1" minOccurs="0"/>
-          <xs:element ref="pc:EntityId2" minOccurs="0"/>
-          <xs:element ref="pc:EntityId3" minOccurs="0"/>
-          <xs:element ref="pc:EntityId4" minOccurs="0"/>
-          <xs:element ref="pc:EntityId5" minOccurs="0"/>
-        </xs:sequence>
-      </xs:complexType>
-    </xs:element>
-    <xs:element name="EntityDisplayName" type="xs:string"/>
-    <xs:element name="EntityInstanceReference" type="xs:string"/>
-    <xs:element name="EntityId1" type="xs:string"/>
-    <xs:element name="EntityId2" type="xs:string"/>
-    <xs:element name="EntityId3" type="xs:string"/>
-    <xs:element name="EntityId4" type="xs:string"/>
-    <xs:element name="EntityId5" type="xs:string"/>
-    <xs:element name="Terms">
-      <xs:complexType>
-        <xs:sequence>
-          <xs:element ref="pc:TermInfo" minOccurs="0" maxOccurs="unbounded"/>
-        </xs:sequence>
-      </xs:complexType>
-    </xs:element>
-    <xs:element name="TermInfo">
-      <xs:complexType>
-        <xs:sequence>
-          <xs:element ref="pc:TermName" minOccurs="0"/>
-          <xs:element ref="pc:TermId" minOccurs="0"/>
-        </xs:sequence>
-      </xs:complexType>
-    </xs:element>
-    <xs:element name="TermName" type="xs:string"/>
-    <xs:element name="TermId" type="xs:string"/>
-  </xs:schema>
-</ct:contentTypeSchema>
-</file>
-
-<file path=customXml/item2.xml><?xml version="1.0" encoding="utf-8"?>
-<?mso-contentType ?>
-<FormTemplates xmlns="http://schemas.microsoft.com/sharepoint/v3/contenttype/forms">
-  <Display>DocumentLibraryForm</Display>
-  <Edit>DocumentLibraryForm</Edit>
-  <New>DocumentLibraryForm</New>
-</FormTemplates>
-</file>
-
-<file path=customXml/item3.xml><?xml version="1.0" encoding="utf-8"?>
-<p:properties xmlns:p="http://schemas.microsoft.com/office/2006/metadata/properties" xmlns:xsi="http://www.w3.org/2001/XMLSchema-instance" xmlns:pc="http://schemas.microsoft.com/office/infopath/2007/PartnerControls">
-  <documentManagement>
-    <_activity xmlns="a7b80a2f-cd32-40cd-956b-7f188a79921d" xsi:nil="true"/>
-  </documentManagement>
-</p:properties>
-</file>
-
-<file path=customXml/itemProps1.xml><?xml version="1.0" encoding="utf-8"?>
-<ds:datastoreItem xmlns:ds="http://schemas.openxmlformats.org/officeDocument/2006/customXml" ds:itemID="{13F9B6CA-E12D-4FC7-A491-9C978509CCF3}">
-  <ds:schemaRefs>
-    <ds:schemaRef ds:uri="http://schemas.microsoft.com/office/2006/metadata/contentType"/>
-    <ds:schemaRef ds:uri="http://schemas.microsoft.com/office/2006/metadata/properties/metaAttributes"/>
-    <ds:schemaRef ds:uri="http://www.w3.org/2001/XMLSchema"/>
-    <ds:schemaRef ds:uri="http://schemas.microsoft.com/office/2006/metadata/properties"/>
-    <ds:schemaRef ds:uri="a7b80a2f-cd32-40cd-956b-7f188a79921d"/>
-    <ds:schemaRef ds:uri="http://schemas.microsoft.com/office/2006/documentManagement/types"/>
-    <ds:schemaRef ds:uri="http://schemas.microsoft.com/office/infopath/2007/PartnerControls"/>
-    <ds:schemaRef ds:uri="http://schemas.openxmlformats.org/package/2006/metadata/core-properties"/>
-    <ds:schemaRef ds:uri="http://purl.org/dc/elements/1.1/"/>
-    <ds:schemaRef ds:uri="http://purl.org/dc/terms/"/>
-    <ds:schemaRef ds:uri="http://schemas.microsoft.com/internal/obd"/>
-  </ds:schemaRefs>
-</ds:datastoreItem>
-</file>
-
-<file path=customXml/itemProps2.xml><?xml version="1.0" encoding="utf-8"?>
-<ds:datastoreItem xmlns:ds="http://schemas.openxmlformats.org/officeDocument/2006/customXml" ds:itemID="{8299175E-081D-4E7C-A11B-11E865A6CB35}">
-  <ds:schemaRefs>
-    <ds:schemaRef ds:uri="http://schemas.microsoft.com/sharepoint/v3/contenttype/forms"/>
-  </ds:schemaRefs>
-</ds:datastoreItem>
-</file>
-
-<file path=customXml/itemProps3.xml><?xml version="1.0" encoding="utf-8"?>
-<ds:datastoreItem xmlns:ds="http://schemas.openxmlformats.org/officeDocument/2006/customXml" ds:itemID="{504EAE95-4246-4463-A01E-06B4173D88A9}">
-  <ds:schemaRefs>
-    <ds:schemaRef ds:uri="http://schemas.microsoft.com/office/2006/documentManagement/types"/>
-    <ds:schemaRef ds:uri="http://schemas.openxmlformats.org/package/2006/metadata/core-properties"/>
-    <ds:schemaRef ds:uri="http://purl.org/dc/elements/1.1/"/>
-    <ds:schemaRef ds:uri="http://purl.org/dc/terms/"/>
-    <ds:schemaRef ds:uri="a7b80a2f-cd32-40cd-956b-7f188a79921d"/>
-    <ds:schemaRef ds:uri="http://www.w3.org/XML/1998/namespace"/>
-    <ds:schemaRef ds:uri="http://schemas.microsoft.com/office/infopath/2007/PartnerControls"/>
-    <ds:schemaRef ds:uri="http://schemas.microsoft.com/office/2006/metadata/properties"/>
-    <ds:schemaRef ds:uri="http://purl.org/dc/dcmitype/"/>
-  </ds:schemaRefs>
-</ds:datastoreItem>
 </file>
--- a/Docs/poster.pptx
+++ b/Docs/poster.pptx
@@ -3826,8 +3826,8 @@
         </p:nvSpPr>
         <p:spPr bwMode="auto">
           <a:xfrm>
-            <a:off x="863338" y="8488363"/>
-            <a:ext cx="11434762" cy="4136212"/>
+            <a:off x="723510" y="8488363"/>
+            <a:ext cx="11477059" cy="4136212"/>
           </a:xfrm>
           <a:prstGeom prst="rect">
             <a:avLst/>
@@ -3867,7 +3867,7 @@
           </a:extLst>
         </p:spPr>
         <p:txBody>
-          <a:bodyPr lIns="72850" tIns="36425" rIns="72850" bIns="36425">
+          <a:bodyPr wrap="square" lIns="72850" tIns="36425" rIns="72850" bIns="36425">
             <a:spAutoFit/>
           </a:bodyPr>
           <a:lstStyle>
@@ -3969,7 +3969,7 @@
             </a:lvl9pPr>
           </a:lstStyle>
           <a:p>
-            <a:pPr algn="l"/>
+            <a:pPr algn="just"/>
             <a:r>
               <a:rPr lang="en-US" sz="2400" b="1" dirty="0">
                 <a:latin typeface="Times New Roman" panose="02020603050405020304" pitchFamily="18" charset="0"/>
@@ -3979,7 +3979,7 @@
             </a:r>
           </a:p>
           <a:p>
-            <a:pPr algn="l"/>
+            <a:pPr algn="just"/>
             <a:r>
               <a:rPr lang="en-US" sz="2400" dirty="0">
                 <a:latin typeface="Times New Roman" panose="02020603050405020304" pitchFamily="18" charset="0"/>
@@ -3989,7 +3989,7 @@
             </a:r>
           </a:p>
           <a:p>
-            <a:pPr algn="l"/>
+            <a:pPr algn="just"/>
             <a:r>
               <a:rPr lang="en-US" sz="2400" b="1" dirty="0">
                 <a:latin typeface="Times New Roman" panose="02020603050405020304" pitchFamily="18" charset="0"/>
@@ -4013,7 +4013,7 @@
             </a:r>
           </a:p>
           <a:p>
-            <a:pPr algn="l"/>
+            <a:pPr algn="just"/>
             <a:r>
               <a:rPr lang="en-US" sz="2400" b="1" dirty="0">
                 <a:latin typeface="Times New Roman" panose="02020603050405020304" pitchFamily="18" charset="0"/>
@@ -4223,7 +4223,7 @@
         </p:nvSpPr>
         <p:spPr bwMode="auto">
           <a:xfrm>
-            <a:off x="15842457" y="26411161"/>
+            <a:off x="15842457" y="25923481"/>
             <a:ext cx="5645150" cy="1027669"/>
           </a:xfrm>
           <a:prstGeom prst="rect">
@@ -4823,7 +4823,7 @@
         </p:nvSpPr>
         <p:spPr bwMode="auto">
           <a:xfrm>
-            <a:off x="15671913" y="30284919"/>
+            <a:off x="15644131" y="29093794"/>
             <a:ext cx="6211661" cy="1027669"/>
           </a:xfrm>
           <a:prstGeom prst="rect">
@@ -4991,8 +4991,8 @@
         </p:nvSpPr>
         <p:spPr bwMode="auto">
           <a:xfrm>
-            <a:off x="863338" y="13569241"/>
-            <a:ext cx="11010900" cy="7066514"/>
+            <a:off x="711376" y="13569241"/>
+            <a:ext cx="11501327" cy="7066514"/>
           </a:xfrm>
           <a:prstGeom prst="rect">
             <a:avLst/>
@@ -5032,7 +5032,7 @@
           </a:extLst>
         </p:spPr>
         <p:txBody>
-          <a:bodyPr lIns="48734" tIns="24366" rIns="48734" bIns="24366">
+          <a:bodyPr wrap="square" lIns="48734" tIns="24366" rIns="48734" bIns="24366">
             <a:spAutoFit/>
           </a:bodyPr>
           <a:lstStyle>
@@ -5134,7 +5134,7 @@
             </a:lvl9pPr>
           </a:lstStyle>
           <a:p>
-            <a:pPr algn="l"/>
+            <a:pPr algn="just"/>
             <a:r>
               <a:rPr lang="en-US" sz="2400" b="1" dirty="0">
                 <a:latin typeface="Times New Roman" panose="02020603050405020304" pitchFamily="18" charset="0"/>
@@ -5234,8 +5234,8 @@
         </p:nvSpPr>
         <p:spPr bwMode="auto">
           <a:xfrm>
-            <a:off x="13214405" y="31513299"/>
-            <a:ext cx="10612437" cy="3373195"/>
+            <a:off x="13027081" y="30225211"/>
+            <a:ext cx="11501327" cy="4481190"/>
           </a:xfrm>
           <a:prstGeom prst="rect">
             <a:avLst/>
@@ -5275,7 +5275,7 @@
           </a:extLst>
         </p:spPr>
         <p:txBody>
-          <a:bodyPr lIns="48734" tIns="24366" rIns="48734" bIns="24366">
+          <a:bodyPr wrap="square" lIns="48734" tIns="24366" rIns="48734" bIns="24366">
             <a:spAutoFit/>
           </a:bodyPr>
           <a:lstStyle>
@@ -5377,48 +5377,185 @@
             </a:lvl9pPr>
           </a:lstStyle>
           <a:p>
-            <a:pPr algn="l"/>
+            <a:pPr marL="457200" indent="-457200" algn="just">
+              <a:buAutoNum type="arabicPeriod"/>
+            </a:pPr>
             <a:r>
               <a:rPr lang="en-US" sz="2400" dirty="0">
                 <a:latin typeface="Times New Roman" panose="02020603050405020304" pitchFamily="18" charset="0"/>
                 <a:cs typeface="Times New Roman" panose="02020603050405020304" pitchFamily="18" charset="0"/>
               </a:rPr>
-              <a:t>1.Cormier, K., Zhang, K., Padron-Uy, J., Wong, A., Gagnier, K., &amp; Parihar, A. (2025). Data warehouse design for multiple source forest inventory management and image processing. </a:t>
-            </a:r>
-          </a:p>
-          <a:p>
-            <a:pPr algn="l"/>
+              <a:t>Mali, J., </a:t>
+            </a:r>
+            <a:r>
+              <a:rPr lang="en-US" sz="2400" dirty="0" err="1">
+                <a:latin typeface="Times New Roman" panose="02020603050405020304" pitchFamily="18" charset="0"/>
+                <a:cs typeface="Times New Roman" panose="02020603050405020304" pitchFamily="18" charset="0"/>
+              </a:rPr>
+              <a:t>Ahvar</a:t>
+            </a:r>
+            <a:r>
+              <a:rPr lang="en-US" sz="2400" dirty="0">
+                <a:latin typeface="Times New Roman" panose="02020603050405020304" pitchFamily="18" charset="0"/>
+                <a:cs typeface="Times New Roman" panose="02020603050405020304" pitchFamily="18" charset="0"/>
+              </a:rPr>
+              <a:t>, S., </a:t>
+            </a:r>
+            <a:r>
+              <a:rPr lang="en-US" sz="2400" dirty="0" err="1">
+                <a:latin typeface="Times New Roman" panose="02020603050405020304" pitchFamily="18" charset="0"/>
+                <a:cs typeface="Times New Roman" panose="02020603050405020304" pitchFamily="18" charset="0"/>
+              </a:rPr>
+              <a:t>Atigui</a:t>
+            </a:r>
+            <a:r>
+              <a:rPr lang="en-US" sz="2400" dirty="0">
+                <a:latin typeface="Times New Roman" panose="02020603050405020304" pitchFamily="18" charset="0"/>
+                <a:cs typeface="Times New Roman" panose="02020603050405020304" pitchFamily="18" charset="0"/>
+              </a:rPr>
+              <a:t>, F., </a:t>
+            </a:r>
+            <a:r>
+              <a:rPr lang="en-US" sz="2400" dirty="0" err="1">
+                <a:latin typeface="Times New Roman" panose="02020603050405020304" pitchFamily="18" charset="0"/>
+                <a:cs typeface="Times New Roman" panose="02020603050405020304" pitchFamily="18" charset="0"/>
+              </a:rPr>
+              <a:t>Azough</a:t>
+            </a:r>
+            <a:r>
+              <a:rPr lang="en-US" sz="2400" dirty="0">
+                <a:latin typeface="Times New Roman" panose="02020603050405020304" pitchFamily="18" charset="0"/>
+                <a:cs typeface="Times New Roman" panose="02020603050405020304" pitchFamily="18" charset="0"/>
+              </a:rPr>
+              <a:t>, A., &amp; Travers, N. (2024, March). FACT-DM: A framework for automated cost-based data model transformation. In Proceedings of the 27th International Conference on Extending Database Technology (EDBT). </a:t>
+            </a:r>
+            <a:r>
+              <a:rPr lang="en-US" sz="2400" dirty="0">
+                <a:latin typeface="Times New Roman" panose="02020603050405020304" pitchFamily="18" charset="0"/>
+                <a:cs typeface="Times New Roman" panose="02020603050405020304" pitchFamily="18" charset="0"/>
+                <a:hlinkClick r:id="rId3"/>
+              </a:rPr>
+              <a:t>https://openproceedings.org/2024/conf/edbt/paper-244.pdf</a:t>
+            </a:r>
             <a:endParaRPr lang="en-US" sz="2400" dirty="0">
               <a:latin typeface="Times New Roman" panose="02020603050405020304" pitchFamily="18" charset="0"/>
               <a:cs typeface="Times New Roman" panose="02020603050405020304" pitchFamily="18" charset="0"/>
             </a:endParaRPr>
           </a:p>
           <a:p>
-            <a:pPr algn="l"/>
-            <a:r>
-              <a:rPr lang="en-US" sz="2400" dirty="0">
-                <a:latin typeface="Times New Roman" panose="02020603050405020304" pitchFamily="18" charset="0"/>
-                <a:cs typeface="Times New Roman" panose="02020603050405020304" pitchFamily="18" charset="0"/>
-              </a:rPr>
-              <a:t>2.Belhassen, Z., &amp; Tlili, M. A. (2025). A novel framework for RDF schema extraction in NoSQL databases using Sentence-BERT. </a:t>
-            </a:r>
-          </a:p>
-          <a:p>
-            <a:pPr algn="l"/>
+            <a:pPr marL="457200" indent="-457200" algn="just">
+              <a:buAutoNum type="arabicPeriod"/>
+            </a:pPr>
             <a:endParaRPr lang="en-US" sz="2400" dirty="0">
               <a:latin typeface="Times New Roman" panose="02020603050405020304" pitchFamily="18" charset="0"/>
               <a:cs typeface="Times New Roman" panose="02020603050405020304" pitchFamily="18" charset="0"/>
             </a:endParaRPr>
           </a:p>
           <a:p>
-            <a:pPr algn="l"/>
+            <a:pPr marL="457200" indent="-457200" algn="just">
+              <a:buAutoNum type="arabicPeriod"/>
+            </a:pPr>
             <a:r>
               <a:rPr lang="en-US" sz="2400" dirty="0">
                 <a:latin typeface="Times New Roman" panose="02020603050405020304" pitchFamily="18" charset="0"/>
                 <a:cs typeface="Times New Roman" panose="02020603050405020304" pitchFamily="18" charset="0"/>
               </a:rPr>
-              <a:t>3.Google Cloud. (2025, May 16). Techniques for improving text-to-SQL. Google Cloud Blog.</a:t>
-            </a:r>
+              <a:t>Wahid, A. M., </a:t>
+            </a:r>
+            <a:r>
+              <a:rPr lang="en-US" sz="2400" dirty="0" err="1">
+                <a:latin typeface="Times New Roman" panose="02020603050405020304" pitchFamily="18" charset="0"/>
+                <a:cs typeface="Times New Roman" panose="02020603050405020304" pitchFamily="18" charset="0"/>
+              </a:rPr>
+              <a:t>Afuan</a:t>
+            </a:r>
+            <a:r>
+              <a:rPr lang="en-US" sz="2400" dirty="0">
+                <a:latin typeface="Times New Roman" panose="02020603050405020304" pitchFamily="18" charset="0"/>
+                <a:cs typeface="Times New Roman" panose="02020603050405020304" pitchFamily="18" charset="0"/>
+              </a:rPr>
+              <a:t>, L., &amp; Utomo, F. S. (2024). Enhancing collaboration data management through data warehouse design: Meeting BAN-PT accreditation and Kerma reporting requirements in higher education. </a:t>
+            </a:r>
+            <a:r>
+              <a:rPr lang="en-US" sz="2400" dirty="0" err="1">
+                <a:latin typeface="Times New Roman" panose="02020603050405020304" pitchFamily="18" charset="0"/>
+                <a:cs typeface="Times New Roman" panose="02020603050405020304" pitchFamily="18" charset="0"/>
+              </a:rPr>
+              <a:t>Jurnal</a:t>
+            </a:r>
+            <a:r>
+              <a:rPr lang="en-US" sz="2400" dirty="0">
+                <a:latin typeface="Times New Roman" panose="02020603050405020304" pitchFamily="18" charset="0"/>
+                <a:cs typeface="Times New Roman" panose="02020603050405020304" pitchFamily="18" charset="0"/>
+              </a:rPr>
+              <a:t> Teknik </a:t>
+            </a:r>
+            <a:r>
+              <a:rPr lang="en-US" sz="2400" dirty="0" err="1">
+                <a:latin typeface="Times New Roman" panose="02020603050405020304" pitchFamily="18" charset="0"/>
+                <a:cs typeface="Times New Roman" panose="02020603050405020304" pitchFamily="18" charset="0"/>
+              </a:rPr>
+              <a:t>Informatika</a:t>
+            </a:r>
+            <a:r>
+              <a:rPr lang="en-US" sz="2400" dirty="0">
+                <a:latin typeface="Times New Roman" panose="02020603050405020304" pitchFamily="18" charset="0"/>
+                <a:cs typeface="Times New Roman" panose="02020603050405020304" pitchFamily="18" charset="0"/>
+              </a:rPr>
+              <a:t> (JUTIF), 5(6), 1517–1527.</a:t>
+            </a:r>
+          </a:p>
+          <a:p>
+            <a:pPr marL="457200" indent="-457200" algn="just">
+              <a:buAutoNum type="arabicPeriod"/>
+            </a:pPr>
+            <a:endParaRPr lang="en-US" sz="2400" dirty="0">
+              <a:latin typeface="Times New Roman" panose="02020603050405020304" pitchFamily="18" charset="0"/>
+              <a:cs typeface="Times New Roman" panose="02020603050405020304" pitchFamily="18" charset="0"/>
+            </a:endParaRPr>
+          </a:p>
+          <a:p>
+            <a:pPr marL="457200" indent="-457200" algn="just">
+              <a:buAutoNum type="arabicPeriod"/>
+            </a:pPr>
+            <a:r>
+              <a:rPr lang="en-US" sz="2400" dirty="0">
+                <a:latin typeface="Times New Roman" panose="02020603050405020304" pitchFamily="18" charset="0"/>
+                <a:cs typeface="Times New Roman" panose="02020603050405020304" pitchFamily="18" charset="0"/>
+              </a:rPr>
+              <a:t>Google Cloud. (2025, May 16). Techniques for improving text-to-SQL. Google Cloud Blog.</a:t>
+            </a:r>
+          </a:p>
+          <a:p>
+            <a:pPr marL="0" indent="0" algn="just"/>
+            <a:r>
+              <a:rPr lang="en-US" sz="2400" dirty="0">
+                <a:latin typeface="Times New Roman" panose="02020603050405020304" pitchFamily="18" charset="0"/>
+                <a:cs typeface="Times New Roman" panose="02020603050405020304" pitchFamily="18" charset="0"/>
+              </a:rPr>
+              <a:t>	 </a:t>
+            </a:r>
+            <a:r>
+              <a:rPr lang="en-US" sz="2400" dirty="0">
+                <a:latin typeface="Times New Roman" panose="02020603050405020304" pitchFamily="18" charset="0"/>
+                <a:cs typeface="Times New Roman" panose="02020603050405020304" pitchFamily="18" charset="0"/>
+                <a:hlinkClick r:id="rId4"/>
+              </a:rPr>
+              <a:t>https://cloud.google.com/blog/products/databases/techniques-for-improving-text-to-sql</a:t>
+            </a:r>
+            <a:endParaRPr lang="en-US" sz="2400" dirty="0">
+              <a:latin typeface="Times New Roman" panose="02020603050405020304" pitchFamily="18" charset="0"/>
+              <a:cs typeface="Times New Roman" panose="02020603050405020304" pitchFamily="18" charset="0"/>
+            </a:endParaRPr>
+          </a:p>
+          <a:p>
+            <a:pPr marL="457200" indent="-457200" algn="just">
+              <a:buAutoNum type="arabicPeriod"/>
+            </a:pPr>
+            <a:endParaRPr lang="en-US" sz="2400" dirty="0">
+              <a:latin typeface="Times New Roman" panose="02020603050405020304" pitchFamily="18" charset="0"/>
+              <a:cs typeface="Times New Roman" panose="02020603050405020304" pitchFamily="18" charset="0"/>
+            </a:endParaRPr>
           </a:p>
         </p:txBody>
       </p:sp>
@@ -5432,8 +5569,8 @@
         </p:nvSpPr>
         <p:spPr bwMode="auto">
           <a:xfrm>
-            <a:off x="13202830" y="27726676"/>
-            <a:ext cx="11120437" cy="2265199"/>
+            <a:off x="13045138" y="26951150"/>
+            <a:ext cx="11465213" cy="2265199"/>
           </a:xfrm>
           <a:prstGeom prst="rect">
             <a:avLst/>
@@ -5473,7 +5610,7 @@
           </a:extLst>
         </p:spPr>
         <p:txBody>
-          <a:bodyPr lIns="48734" tIns="24366" rIns="48734" bIns="24366">
+          <a:bodyPr wrap="square" lIns="48734" tIns="24366" rIns="48734" bIns="24366">
             <a:spAutoFit/>
           </a:bodyPr>
           <a:lstStyle>
@@ -5575,7 +5712,7 @@
             </a:lvl9pPr>
           </a:lstStyle>
           <a:p>
-            <a:pPr algn="l"/>
+            <a:pPr algn="just"/>
             <a:r>
               <a:rPr lang="en-US" sz="2400" b="1" dirty="0" err="1">
                 <a:latin typeface="Times New Roman" panose="02020603050405020304" pitchFamily="18" charset="0"/>
@@ -5588,7 +5725,7 @@
                 <a:latin typeface="Times New Roman" panose="02020603050405020304" pitchFamily="18" charset="0"/>
                 <a:cs typeface="Times New Roman" panose="02020603050405020304" pitchFamily="18" charset="0"/>
               </a:rPr>
-              <a:t> addresses manual schema design errors and delays using AI-driven parsing, heuristic classification, and interactive visualization. Leveraging NLP with BERT and LLMs like Google Gemini Flash, it achieves 96% parsing accuracy and 92% domain detection, reducing errors by 80% and design time to under 5 seconds for 100-table schemas. The React-based interface ensures scalable, error-resistant warehousing, enhancing analytics efficiency across sectors.</a:t>
+              <a:t> addresses manual schema design errors and delays using AI-driven parsing, heuristic classification, and interactive visualization. Leveraging NLP with BERT and LLMs like Google Gemini Flash, it achieves 96% parsing accuracy and 92% domain detection, reducing errors by 80% and design time to under 5 s for 100-table schemas. The React-based interface ensures scalable, error-resistant warehousing, enhancing analytics efficiency across sectors.</a:t>
             </a:r>
             <a:endParaRPr lang="en-US" sz="2400" dirty="0">
               <a:effectLst/>
@@ -5776,7 +5913,7 @@
         </p:nvSpPr>
         <p:spPr bwMode="auto">
           <a:xfrm>
-            <a:off x="15789273" y="11039778"/>
+            <a:off x="15789273" y="10811178"/>
             <a:ext cx="5645150" cy="1027669"/>
           </a:xfrm>
           <a:prstGeom prst="rect">
@@ -5949,7 +6086,7 @@
           <p:nvPr/>
         </p:nvPicPr>
         <p:blipFill>
-          <a:blip r:embed="rId3">
+          <a:blip r:embed="rId5">
             <a:extLst>
               <a:ext uri="{28A0092B-C50C-407E-A947-70E740481C1C}">
                 <a14:useLocalDpi xmlns:a14="http://schemas.microsoft.com/office/drawing/2010/main" val="0"/>
@@ -5985,7 +6122,7 @@
           <p:nvPr/>
         </p:nvPicPr>
         <p:blipFill>
-          <a:blip r:embed="rId4">
+          <a:blip r:embed="rId6">
             <a:extLst>
               <a:ext uri="{28A0092B-C50C-407E-A947-70E740481C1C}">
                 <a14:useLocalDpi xmlns:a14="http://schemas.microsoft.com/office/drawing/2010/main" val="0"/>
@@ -6006,312 +6143,6 @@
           </a:prstGeom>
         </p:spPr>
       </p:pic>
-      <p:sp>
-        <p:nvSpPr>
-          <p:cNvPr id="4" name="Text Box 19">
-            <a:extLst>
-              <a:ext uri="{FF2B5EF4-FFF2-40B4-BE49-F238E27FC236}">
-                <a16:creationId xmlns:a16="http://schemas.microsoft.com/office/drawing/2014/main" id="{357BC45E-4094-98B3-440B-A3A562CDEFF6}"/>
-              </a:ext>
-            </a:extLst>
-          </p:cNvPr>
-          <p:cNvSpPr txBox="1">
-            <a:spLocks noChangeArrowheads="1"/>
-          </p:cNvSpPr>
-          <p:nvPr/>
-        </p:nvSpPr>
-        <p:spPr bwMode="auto">
-          <a:xfrm>
-            <a:off x="13179680" y="12102428"/>
-            <a:ext cx="11341101" cy="3785652"/>
-          </a:xfrm>
-          <a:prstGeom prst="rect">
-            <a:avLst/>
-          </a:prstGeom>
-          <a:noFill/>
-          <a:ln>
-            <a:noFill/>
-          </a:ln>
-          <a:extLst>
-            <a:ext uri="{909E8E84-426E-40DD-AFC4-6F175D3DCCD1}">
-              <a14:hiddenFill xmlns:a14="http://schemas.microsoft.com/office/drawing/2010/main">
-                <a:solidFill>
-                  <a:srgbClr val="FFFFFF"/>
-                </a:solidFill>
-              </a14:hiddenFill>
-            </a:ext>
-            <a:ext uri="{91240B29-F687-4F45-9708-019B960494DF}">
-              <a14:hiddenLine xmlns:a14="http://schemas.microsoft.com/office/drawing/2010/main" w="9525">
-                <a:solidFill>
-                  <a:srgbClr val="000000"/>
-                </a:solidFill>
-                <a:miter lim="800000"/>
-                <a:headEnd/>
-                <a:tailEnd/>
-              </a14:hiddenLine>
-            </a:ext>
-          </a:extLst>
-        </p:spPr>
-        <p:txBody>
-          <a:bodyPr wrap="square">
-            <a:spAutoFit/>
-          </a:bodyPr>
-          <a:lstStyle>
-            <a:lvl1pPr marL="533400" indent="-533400" defTabSz="4389438" eaLnBrk="0" hangingPunct="0">
-              <a:defRPr sz="6900">
-                <a:solidFill>
-                  <a:schemeClr val="tx1"/>
-                </a:solidFill>
-                <a:latin typeface="Arial" charset="0"/>
-              </a:defRPr>
-            </a:lvl1pPr>
-            <a:lvl2pPr marL="742950" indent="-285750" defTabSz="4389438" eaLnBrk="0" hangingPunct="0">
-              <a:defRPr sz="6900">
-                <a:solidFill>
-                  <a:schemeClr val="tx1"/>
-                </a:solidFill>
-                <a:latin typeface="Arial" charset="0"/>
-              </a:defRPr>
-            </a:lvl2pPr>
-            <a:lvl3pPr marL="1143000" indent="-228600" defTabSz="4389438" eaLnBrk="0" hangingPunct="0">
-              <a:defRPr sz="6900">
-                <a:solidFill>
-                  <a:schemeClr val="tx1"/>
-                </a:solidFill>
-                <a:latin typeface="Arial" charset="0"/>
-              </a:defRPr>
-            </a:lvl3pPr>
-            <a:lvl4pPr marL="1600200" indent="-228600" defTabSz="4389438" eaLnBrk="0" hangingPunct="0">
-              <a:defRPr sz="6900">
-                <a:solidFill>
-                  <a:schemeClr val="tx1"/>
-                </a:solidFill>
-                <a:latin typeface="Arial" charset="0"/>
-              </a:defRPr>
-            </a:lvl4pPr>
-            <a:lvl5pPr marL="2057400" indent="-228600" defTabSz="4389438" eaLnBrk="0" hangingPunct="0">
-              <a:defRPr sz="6900">
-                <a:solidFill>
-                  <a:schemeClr val="tx1"/>
-                </a:solidFill>
-                <a:latin typeface="Arial" charset="0"/>
-              </a:defRPr>
-            </a:lvl5pPr>
-            <a:lvl6pPr marL="2514600" indent="-228600" algn="ctr" defTabSz="4389438" eaLnBrk="0" fontAlgn="base" hangingPunct="0">
-              <a:spcBef>
-                <a:spcPct val="0"/>
-              </a:spcBef>
-              <a:spcAft>
-                <a:spcPct val="0"/>
-              </a:spcAft>
-              <a:defRPr sz="6900">
-                <a:solidFill>
-                  <a:schemeClr val="tx1"/>
-                </a:solidFill>
-                <a:latin typeface="Arial" charset="0"/>
-              </a:defRPr>
-            </a:lvl6pPr>
-            <a:lvl7pPr marL="2971800" indent="-228600" algn="ctr" defTabSz="4389438" eaLnBrk="0" fontAlgn="base" hangingPunct="0">
-              <a:spcBef>
-                <a:spcPct val="0"/>
-              </a:spcBef>
-              <a:spcAft>
-                <a:spcPct val="0"/>
-              </a:spcAft>
-              <a:defRPr sz="6900">
-                <a:solidFill>
-                  <a:schemeClr val="tx1"/>
-                </a:solidFill>
-                <a:latin typeface="Arial" charset="0"/>
-              </a:defRPr>
-            </a:lvl7pPr>
-            <a:lvl8pPr marL="3429000" indent="-228600" algn="ctr" defTabSz="4389438" eaLnBrk="0" fontAlgn="base" hangingPunct="0">
-              <a:spcBef>
-                <a:spcPct val="0"/>
-              </a:spcBef>
-              <a:spcAft>
-                <a:spcPct val="0"/>
-              </a:spcAft>
-              <a:defRPr sz="6900">
-                <a:solidFill>
-                  <a:schemeClr val="tx1"/>
-                </a:solidFill>
-                <a:latin typeface="Arial" charset="0"/>
-              </a:defRPr>
-            </a:lvl8pPr>
-            <a:lvl9pPr marL="3886200" indent="-228600" algn="ctr" defTabSz="4389438" eaLnBrk="0" fontAlgn="base" hangingPunct="0">
-              <a:spcBef>
-                <a:spcPct val="0"/>
-              </a:spcBef>
-              <a:spcAft>
-                <a:spcPct val="0"/>
-              </a:spcAft>
-              <a:defRPr sz="6900">
-                <a:solidFill>
-                  <a:schemeClr val="tx1"/>
-                </a:solidFill>
-                <a:latin typeface="Arial" charset="0"/>
-              </a:defRPr>
-            </a:lvl9pPr>
-          </a:lstStyle>
-          <a:p>
-            <a:pPr algn="l"/>
-            <a:r>
-              <a:rPr lang="en-US" sz="2400" b="1" dirty="0" err="1">
-                <a:latin typeface="Times New Roman" panose="02020603050405020304" pitchFamily="18" charset="0"/>
-                <a:cs typeface="Times New Roman" panose="02020603050405020304" pitchFamily="18" charset="0"/>
-              </a:rPr>
-              <a:t>DataForge</a:t>
-            </a:r>
-            <a:r>
-              <a:rPr lang="en-US" sz="2400" dirty="0">
-                <a:latin typeface="Times New Roman" panose="02020603050405020304" pitchFamily="18" charset="0"/>
-                <a:cs typeface="Times New Roman" panose="02020603050405020304" pitchFamily="18" charset="0"/>
-              </a:rPr>
-              <a:t> excels across diverse datasets (</a:t>
-            </a:r>
-            <a:r>
-              <a:rPr lang="en-US" sz="2400" dirty="0" err="1">
-                <a:latin typeface="Times New Roman" panose="02020603050405020304" pitchFamily="18" charset="0"/>
-                <a:cs typeface="Times New Roman" panose="02020603050405020304" pitchFamily="18" charset="0"/>
-              </a:rPr>
-              <a:t>AdventureWorksDW</a:t>
-            </a:r>
-            <a:r>
-              <a:rPr lang="en-US" sz="2400" dirty="0">
-                <a:latin typeface="Times New Roman" panose="02020603050405020304" pitchFamily="18" charset="0"/>
-                <a:cs typeface="Times New Roman" panose="02020603050405020304" pitchFamily="18" charset="0"/>
-              </a:rPr>
-              <a:t>, </a:t>
-            </a:r>
-            <a:r>
-              <a:rPr lang="en-US" sz="2400" dirty="0" err="1">
-                <a:latin typeface="Times New Roman" panose="02020603050405020304" pitchFamily="18" charset="0"/>
-                <a:cs typeface="Times New Roman" panose="02020603050405020304" pitchFamily="18" charset="0"/>
-              </a:rPr>
-              <a:t>ShopSmart</a:t>
-            </a:r>
-            <a:r>
-              <a:rPr lang="en-US" sz="2400" dirty="0">
-                <a:latin typeface="Times New Roman" panose="02020603050405020304" pitchFamily="18" charset="0"/>
-                <a:cs typeface="Times New Roman" panose="02020603050405020304" pitchFamily="18" charset="0"/>
-              </a:rPr>
-              <a:t>, TPC-DS),</a:t>
-            </a:r>
-          </a:p>
-          <a:p>
-            <a:pPr algn="l"/>
-            <a:r>
-              <a:rPr lang="en-US" sz="2400" dirty="0">
-                <a:latin typeface="Times New Roman" panose="02020603050405020304" pitchFamily="18" charset="0"/>
-                <a:cs typeface="Times New Roman" panose="02020603050405020304" pitchFamily="18" charset="0"/>
-              </a:rPr>
-              <a:t>achieving 96% parsing accuracy for complex SQL DDL and 92% domain detection</a:t>
-            </a:r>
-          </a:p>
-          <a:p>
-            <a:pPr algn="l"/>
-            <a:r>
-              <a:rPr lang="en-US" sz="2400" dirty="0">
-                <a:latin typeface="Times New Roman" panose="02020603050405020304" pitchFamily="18" charset="0"/>
-                <a:cs typeface="Times New Roman" panose="02020603050405020304" pitchFamily="18" charset="0"/>
-              </a:rPr>
-              <a:t>accuracy, adapting to contexts like retail and healthcare. It generates 100-table schemas in</a:t>
-            </a:r>
-          </a:p>
-          <a:p>
-            <a:pPr algn="l"/>
-            <a:r>
-              <a:rPr lang="en-US" sz="2400" dirty="0">
-                <a:latin typeface="Times New Roman" panose="02020603050405020304" pitchFamily="18" charset="0"/>
-                <a:cs typeface="Times New Roman" panose="02020603050405020304" pitchFamily="18" charset="0"/>
-              </a:rPr>
-              <a:t>under 5 seconds (e.g., 4.0s for </a:t>
-            </a:r>
-            <a:r>
-              <a:rPr lang="en-US" sz="2400" dirty="0" err="1">
-                <a:latin typeface="Times New Roman" panose="02020603050405020304" pitchFamily="18" charset="0"/>
-                <a:cs typeface="Times New Roman" panose="02020603050405020304" pitchFamily="18" charset="0"/>
-              </a:rPr>
-              <a:t>ShopSmart</a:t>
-            </a:r>
-            <a:r>
-              <a:rPr lang="en-US" sz="2400" dirty="0">
-                <a:latin typeface="Times New Roman" panose="02020603050405020304" pitchFamily="18" charset="0"/>
-                <a:cs typeface="Times New Roman" panose="02020603050405020304" pitchFamily="18" charset="0"/>
-              </a:rPr>
-              <a:t>), far surpassing manual methods. Interactive</a:t>
-            </a:r>
-          </a:p>
-          <a:p>
-            <a:pPr algn="l"/>
-            <a:r>
-              <a:rPr lang="en-US" sz="2400" dirty="0">
-                <a:latin typeface="Times New Roman" panose="02020603050405020304" pitchFamily="18" charset="0"/>
-                <a:cs typeface="Times New Roman" panose="02020603050405020304" pitchFamily="18" charset="0"/>
-              </a:rPr>
-              <a:t>visualization renders 50-node schemas in 2 seconds, ensuring seamless user interaction.</a:t>
-            </a:r>
-          </a:p>
-          <a:p>
-            <a:pPr algn="l"/>
-            <a:r>
-              <a:rPr lang="en-US" sz="2400" dirty="0">
-                <a:latin typeface="Times New Roman" panose="02020603050405020304" pitchFamily="18" charset="0"/>
-                <a:cs typeface="Times New Roman" panose="02020603050405020304" pitchFamily="18" charset="0"/>
-              </a:rPr>
-              <a:t>User testing (n=10) yields a 4.2/5.0 satisfaction score, with 90% praising real-time</a:t>
-            </a:r>
-          </a:p>
-          <a:p>
-            <a:pPr algn="l"/>
-            <a:r>
-              <a:rPr lang="en-US" sz="2400" dirty="0">
-                <a:latin typeface="Times New Roman" panose="02020603050405020304" pitchFamily="18" charset="0"/>
-                <a:cs typeface="Times New Roman" panose="02020603050405020304" pitchFamily="18" charset="0"/>
-              </a:rPr>
-              <a:t>validation and editing. Error reduction reaches 80%, AI enhancements improve schema</a:t>
-            </a:r>
-          </a:p>
-          <a:p>
-            <a:pPr algn="l"/>
-            <a:r>
-              <a:rPr lang="en-US" sz="2400" dirty="0">
-                <a:latin typeface="Times New Roman" panose="02020603050405020304" pitchFamily="18" charset="0"/>
-                <a:cs typeface="Times New Roman" panose="02020603050405020304" pitchFamily="18" charset="0"/>
-              </a:rPr>
-              <a:t>quality by 5.1%, and compliance with dimensional modeling best practices rises to 75.6%.</a:t>
-            </a:r>
-          </a:p>
-          <a:p>
-            <a:pPr algn="l"/>
-            <a:r>
-              <a:rPr lang="en-US" sz="2400" b="1" dirty="0" err="1">
-                <a:latin typeface="Times New Roman" panose="02020603050405020304" pitchFamily="18" charset="0"/>
-                <a:cs typeface="Times New Roman" panose="02020603050405020304" pitchFamily="18" charset="0"/>
-              </a:rPr>
-              <a:t>DataForge</a:t>
-            </a:r>
-            <a:r>
-              <a:rPr lang="en-US" sz="2400" dirty="0">
-                <a:latin typeface="Times New Roman" panose="02020603050405020304" pitchFamily="18" charset="0"/>
-                <a:cs typeface="Times New Roman" panose="02020603050405020304" pitchFamily="18" charset="0"/>
-              </a:rPr>
-              <a:t> supports multiple SQL dialects and ensures robust referential integrity,</a:t>
-            </a:r>
-          </a:p>
-          <a:p>
-            <a:pPr algn="l"/>
-            <a:r>
-              <a:rPr lang="en-US" sz="2400" dirty="0">
-                <a:latin typeface="Times New Roman" panose="02020603050405020304" pitchFamily="18" charset="0"/>
-                <a:cs typeface="Times New Roman" panose="02020603050405020304" pitchFamily="18" charset="0"/>
-              </a:rPr>
-              <a:t>enabling scalable, reliable data warehousing for efficient analytics.</a:t>
-            </a:r>
-          </a:p>
-        </p:txBody>
-      </p:sp>
       <p:pic>
         <p:nvPicPr>
           <p:cNvPr id="10" name="Picture 9">
@@ -6327,14 +6158,14 @@
           <p:nvPr/>
         </p:nvPicPr>
         <p:blipFill>
-          <a:blip r:embed="rId5"/>
+          <a:blip r:embed="rId7"/>
           <a:stretch>
             <a:fillRect/>
           </a:stretch>
         </p:blipFill>
         <p:spPr>
           <a:xfrm>
-            <a:off x="13174663" y="21956484"/>
+            <a:off x="13252451" y="21438324"/>
             <a:ext cx="11050586" cy="4154984"/>
           </a:xfrm>
           <a:prstGeom prst="rect">
@@ -6357,14 +6188,14 @@
           <p:nvPr/>
         </p:nvPicPr>
         <p:blipFill>
-          <a:blip r:embed="rId6"/>
+          <a:blip r:embed="rId8"/>
           <a:stretch>
             <a:fillRect/>
           </a:stretch>
         </p:blipFill>
         <p:spPr>
           <a:xfrm>
-            <a:off x="13271004" y="16993896"/>
+            <a:off x="13227028" y="16519001"/>
             <a:ext cx="11101432" cy="4154984"/>
           </a:xfrm>
           <a:prstGeom prst="rect">
@@ -6386,7 +6217,7 @@
         </p:nvSpPr>
         <p:spPr>
           <a:xfrm>
-            <a:off x="15042944" y="16425519"/>
+            <a:off x="15042944" y="15907359"/>
             <a:ext cx="7137808" cy="461665"/>
           </a:xfrm>
           <a:prstGeom prst="rect">
@@ -6405,7 +6236,7 @@
                 <a:latin typeface="Times New Roman" panose="02020603050405020304" pitchFamily="18" charset="0"/>
                 <a:cs typeface="Times New Roman" panose="02020603050405020304" pitchFamily="18" charset="0"/>
               </a:rPr>
-              <a:t>Performance Metrics of Proposed Solutions</a:t>
+              <a:t>Table 1: Performance Metrics of Proposed Solutions</a:t>
             </a:r>
           </a:p>
         </p:txBody>
@@ -6424,8 +6255,8 @@
         </p:nvSpPr>
         <p:spPr>
           <a:xfrm>
-            <a:off x="12937178" y="21235950"/>
-            <a:ext cx="11769085" cy="461665"/>
+            <a:off x="15738163" y="20823962"/>
+            <a:ext cx="5686102" cy="464386"/>
           </a:xfrm>
           <a:prstGeom prst="rect">
             <a:avLst/>
@@ -6443,7 +6274,7 @@
                 <a:latin typeface="Times New Roman" panose="02020603050405020304" pitchFamily="18" charset="0"/>
                 <a:cs typeface="Times New Roman" panose="02020603050405020304" pitchFamily="18" charset="0"/>
               </a:rPr>
-              <a:t>Dataset Performance Summary</a:t>
+              <a:t>Table 2: Dataset Performance Summary</a:t>
             </a:r>
           </a:p>
         </p:txBody>
@@ -6501,8 +6332,8 @@
         </p:nvSpPr>
         <p:spPr>
           <a:xfrm>
-            <a:off x="13191255" y="8451474"/>
-            <a:ext cx="11801475" cy="2308324"/>
+            <a:off x="13021056" y="8493404"/>
+            <a:ext cx="11501327" cy="2308324"/>
           </a:xfrm>
           <a:prstGeom prst="rect">
             <a:avLst/>
@@ -6515,7 +6346,7 @@
           </a:bodyPr>
           <a:lstStyle/>
           <a:p>
-            <a:pPr marL="342900" indent="-342900" algn="l">
+            <a:pPr marL="342900" indent="-342900" algn="just">
               <a:buFont typeface="Arial" panose="020B0604020202020204" pitchFamily="34" charset="0"/>
               <a:buChar char="•"/>
             </a:pPr>
@@ -6528,7 +6359,7 @@
             </a:r>
           </a:p>
           <a:p>
-            <a:pPr marL="342900" indent="-342900" algn="l">
+            <a:pPr marL="342900" indent="-342900" algn="just">
               <a:buFont typeface="Arial" panose="020B0604020202020204" pitchFamily="34" charset="0"/>
               <a:buChar char="•"/>
             </a:pPr>
@@ -6541,7 +6372,7 @@
             </a:r>
           </a:p>
           <a:p>
-            <a:pPr marL="342900" indent="-342900" algn="l">
+            <a:pPr marL="342900" indent="-342900" algn="just">
               <a:buFont typeface="Arial" panose="020B0604020202020204" pitchFamily="34" charset="0"/>
               <a:buChar char="•"/>
             </a:pPr>
@@ -6554,7 +6385,7 @@
             </a:r>
           </a:p>
           <a:p>
-            <a:pPr marL="342900" indent="-342900" algn="l">
+            <a:pPr marL="342900" indent="-342900" algn="just">
               <a:buFont typeface="Arial" panose="020B0604020202020204" pitchFamily="34" charset="0"/>
               <a:buChar char="•"/>
             </a:pPr>
@@ -6567,7 +6398,7 @@
             </a:r>
           </a:p>
           <a:p>
-            <a:pPr marL="342900" indent="-342900" algn="l">
+            <a:pPr marL="342900" indent="-342900" algn="just">
               <a:buFont typeface="Arial" panose="020B0604020202020204" pitchFamily="34" charset="0"/>
               <a:buChar char="•"/>
             </a:pPr>
@@ -6580,7 +6411,7 @@
             </a:r>
           </a:p>
           <a:p>
-            <a:pPr marL="342900" indent="-342900" algn="l">
+            <a:pPr marL="342900" indent="-342900" algn="just">
               <a:buFont typeface="Arial" panose="020B0604020202020204" pitchFamily="34" charset="0"/>
               <a:buChar char="•"/>
             </a:pPr>
@@ -6608,8 +6439,8 @@
         </p:nvSpPr>
         <p:spPr>
           <a:xfrm>
-            <a:off x="2900840" y="20852825"/>
-            <a:ext cx="7099935" cy="1077218"/>
+            <a:off x="4355347" y="27580812"/>
+            <a:ext cx="4213384" cy="461665"/>
           </a:xfrm>
           <a:prstGeom prst="rect">
             <a:avLst/>
@@ -6623,51 +6454,141 @@
           <a:lstStyle/>
           <a:p>
             <a:r>
-              <a:rPr lang="en-US" sz="6200" b="1" dirty="0">
+              <a:rPr lang="en-US" sz="2400" b="1" dirty="0">
                 <a:latin typeface="Times New Roman" panose="02020603050405020304" pitchFamily="18" charset="0"/>
                 <a:cs typeface="Times New Roman" panose="02020603050405020304" pitchFamily="18" charset="0"/>
               </a:rPr>
-              <a:t>System Architecture</a:t>
+              <a:t>Figure 1: System Architecture</a:t>
             </a:r>
           </a:p>
         </p:txBody>
       </p:sp>
-      <p:pic>
-        <p:nvPicPr>
-          <p:cNvPr id="40" name="Picture 39" descr="A screenshot of a computer">
+      <p:grpSp>
+        <p:nvGrpSpPr>
+          <p:cNvPr id="8" name="Group 7">
             <a:extLst>
               <a:ext uri="{FF2B5EF4-FFF2-40B4-BE49-F238E27FC236}">
-                <a16:creationId xmlns:a16="http://schemas.microsoft.com/office/drawing/2014/main" id="{B64EFA10-DF06-704A-78FC-1ECEB5098707}"/>
+                <a16:creationId xmlns:a16="http://schemas.microsoft.com/office/drawing/2014/main" id="{98407221-B6DB-E64E-9862-4C442EBA25F8}"/>
               </a:ext>
             </a:extLst>
           </p:cNvPr>
-          <p:cNvPicPr>
-            <a:picLocks noChangeAspect="1"/>
-          </p:cNvPicPr>
+          <p:cNvGrpSpPr/>
           <p:nvPr/>
-        </p:nvPicPr>
-        <p:blipFill>
-          <a:blip r:embed="rId7">
-            <a:extLst>
-              <a:ext uri="{28A0092B-C50C-407E-A947-70E740481C1C}">
-                <a14:useLocalDpi xmlns:a14="http://schemas.microsoft.com/office/drawing/2010/main" val="0"/>
-              </a:ext>
-            </a:extLst>
-          </a:blip>
-          <a:stretch>
-            <a:fillRect/>
-          </a:stretch>
-        </p:blipFill>
-        <p:spPr>
+        </p:nvGrpSpPr>
+        <p:grpSpPr>
           <a:xfrm>
-            <a:off x="662963" y="22382270"/>
-            <a:ext cx="11691936" cy="6091895"/>
+            <a:off x="617368" y="21235950"/>
+            <a:ext cx="11689342" cy="6194270"/>
+            <a:chOff x="654479" y="21351240"/>
+            <a:chExt cx="11689342" cy="6194270"/>
           </a:xfrm>
-          <a:prstGeom prst="rect">
-            <a:avLst/>
-          </a:prstGeom>
-        </p:spPr>
-      </p:pic>
+        </p:grpSpPr>
+        <p:pic>
+          <p:nvPicPr>
+            <p:cNvPr id="40" name="Picture 39" descr="A screenshot of a computer">
+              <a:extLst>
+                <a:ext uri="{FF2B5EF4-FFF2-40B4-BE49-F238E27FC236}">
+                  <a16:creationId xmlns:a16="http://schemas.microsoft.com/office/drawing/2014/main" id="{B64EFA10-DF06-704A-78FC-1ECEB5098707}"/>
+                </a:ext>
+              </a:extLst>
+            </p:cNvPr>
+            <p:cNvPicPr>
+              <a:picLocks noChangeAspect="1"/>
+            </p:cNvPicPr>
+            <p:nvPr/>
+          </p:nvPicPr>
+          <p:blipFill>
+            <a:blip r:embed="rId9">
+              <a:extLst>
+                <a:ext uri="{28A0092B-C50C-407E-A947-70E740481C1C}">
+                  <a14:useLocalDpi xmlns:a14="http://schemas.microsoft.com/office/drawing/2010/main" val="0"/>
+                </a:ext>
+              </a:extLst>
+            </a:blip>
+            <a:stretch>
+              <a:fillRect/>
+            </a:stretch>
+          </p:blipFill>
+          <p:spPr>
+            <a:xfrm>
+              <a:off x="739838" y="21499441"/>
+              <a:ext cx="11603983" cy="6046069"/>
+            </a:xfrm>
+            <a:prstGeom prst="rect">
+              <a:avLst/>
+            </a:prstGeom>
+          </p:spPr>
+        </p:pic>
+        <p:sp>
+          <p:nvSpPr>
+            <p:cNvPr id="3" name="Rectangle 2">
+              <a:extLst>
+                <a:ext uri="{FF2B5EF4-FFF2-40B4-BE49-F238E27FC236}">
+                  <a16:creationId xmlns:a16="http://schemas.microsoft.com/office/drawing/2014/main" id="{74B5A285-4E10-BC2E-A557-A19B225777F9}"/>
+                </a:ext>
+              </a:extLst>
+            </p:cNvPr>
+            <p:cNvSpPr/>
+            <p:nvPr/>
+          </p:nvSpPr>
+          <p:spPr bwMode="auto">
+            <a:xfrm>
+              <a:off x="654479" y="21351240"/>
+              <a:ext cx="11643622" cy="6183266"/>
+            </a:xfrm>
+            <a:prstGeom prst="rect">
+              <a:avLst/>
+            </a:prstGeom>
+            <a:noFill/>
+            <a:ln w="19050" cap="flat" cmpd="sng" algn="ctr">
+              <a:solidFill>
+                <a:schemeClr val="tx1"/>
+              </a:solidFill>
+              <a:prstDash val="solid"/>
+              <a:round/>
+              <a:headEnd type="none" w="med" len="med"/>
+              <a:tailEnd type="none" w="med" len="med"/>
+            </a:ln>
+            <a:effectLst/>
+          </p:spPr>
+          <p:txBody>
+            <a:bodyPr vert="horz" wrap="none" lIns="91440" tIns="45720" rIns="91440" bIns="45720" numCol="1" rtlCol="0" anchor="ctr" anchorCtr="0" compatLnSpc="1">
+              <a:prstTxWarp prst="textNoShape">
+                <a:avLst/>
+              </a:prstTxWarp>
+            </a:bodyPr>
+            <a:lstStyle/>
+            <a:p>
+              <a:pPr marL="0" marR="0" indent="0" algn="ctr" defTabSz="3497263" rtl="0" eaLnBrk="1" fontAlgn="base" latinLnBrk="0" hangingPunct="1">
+                <a:lnSpc>
+                  <a:spcPct val="100000"/>
+                </a:lnSpc>
+                <a:spcBef>
+                  <a:spcPct val="0"/>
+                </a:spcBef>
+                <a:spcAft>
+                  <a:spcPct val="0"/>
+                </a:spcAft>
+                <a:buClrTx/>
+                <a:buSzTx/>
+                <a:buFontTx/>
+                <a:buNone/>
+                <a:tabLst/>
+              </a:pPr>
+              <a:endParaRPr kumimoji="0" lang="en-US" sz="6900" b="0" i="0" u="none" strike="noStrike" cap="none" normalizeH="0" baseline="0" dirty="0">
+                <a:ln>
+                  <a:noFill/>
+                </a:ln>
+                <a:solidFill>
+                  <a:schemeClr val="tx1"/>
+                </a:solidFill>
+                <a:effectLst/>
+                <a:latin typeface="Arial" charset="0"/>
+              </a:endParaRPr>
+            </a:p>
+          </p:txBody>
+        </p:sp>
+      </p:grpSp>
       <p:pic>
         <p:nvPicPr>
           <p:cNvPr id="2" name="Picture 1" descr="A diagram of a software algorithm&#10;&#10;AI-generated content may be incorrect.">
@@ -6683,7 +6604,7 @@
           <p:nvPr/>
         </p:nvPicPr>
         <p:blipFill>
-          <a:blip r:embed="rId8">
+          <a:blip r:embed="rId10">
             <a:extLst>
               <a:ext uri="{28A0092B-C50C-407E-A947-70E740481C1C}">
                 <a14:useLocalDpi xmlns:a14="http://schemas.microsoft.com/office/drawing/2010/main" val="0"/>
@@ -6696,7 +6617,7 @@
         </p:blipFill>
         <p:spPr>
           <a:xfrm>
-            <a:off x="2416969" y="28494355"/>
+            <a:off x="2556789" y="28494355"/>
             <a:ext cx="7810500" cy="5905500"/>
           </a:xfrm>
           <a:prstGeom prst="rect">
@@ -6718,8 +6639,8 @@
         </p:nvSpPr>
         <p:spPr>
           <a:xfrm>
-            <a:off x="251568" y="34355417"/>
-            <a:ext cx="12100770" cy="461665"/>
+            <a:off x="1726456" y="34343500"/>
+            <a:ext cx="9471166" cy="461665"/>
           </a:xfrm>
           <a:prstGeom prst="rect">
             <a:avLst/>
@@ -6733,6 +6654,13 @@
           <a:lstStyle/>
           <a:p>
             <a:r>
+              <a:rPr lang="en-US" sz="2400" b="1" dirty="0">
+                <a:latin typeface="Times New Roman" panose="02020603050405020304" pitchFamily="18" charset="0"/>
+                <a:cs typeface="Times New Roman" panose="02020603050405020304" pitchFamily="18" charset="0"/>
+              </a:rPr>
+              <a:t>Figure 2: </a:t>
+            </a:r>
+            <a:r>
               <a:rPr lang="en-US" sz="2400" b="1" dirty="0" err="1">
                 <a:latin typeface="Times New Roman" panose="02020603050405020304" pitchFamily="18" charset="0"/>
                 <a:cs typeface="Times New Roman" panose="02020603050405020304" pitchFamily="18" charset="0"/>
@@ -6744,7 +6672,109 @@
                 <a:latin typeface="Times New Roman" panose="02020603050405020304" pitchFamily="18" charset="0"/>
                 <a:cs typeface="Times New Roman" panose="02020603050405020304" pitchFamily="18" charset="0"/>
               </a:rPr>
-              <a:t> Workflow: Automated Schema Generation Process</a:t>
+              <a:t> Workflow Automated Schema Generation Process</a:t>
+            </a:r>
+          </a:p>
+        </p:txBody>
+      </p:sp>
+      <p:sp>
+        <p:nvSpPr>
+          <p:cNvPr id="12" name="TextBox 11">
+            <a:extLst>
+              <a:ext uri="{FF2B5EF4-FFF2-40B4-BE49-F238E27FC236}">
+                <a16:creationId xmlns:a16="http://schemas.microsoft.com/office/drawing/2014/main" id="{E70EE52D-C309-1511-E397-C52615B4B319}"/>
+              </a:ext>
+            </a:extLst>
+          </p:cNvPr>
+          <p:cNvSpPr txBox="1"/>
+          <p:nvPr/>
+        </p:nvSpPr>
+        <p:spPr>
+          <a:xfrm>
+            <a:off x="13023887" y="11992463"/>
+            <a:ext cx="11507714" cy="3416320"/>
+          </a:xfrm>
+          <a:prstGeom prst="rect">
+            <a:avLst/>
+          </a:prstGeom>
+          <a:noFill/>
+        </p:spPr>
+        <p:txBody>
+          <a:bodyPr wrap="square">
+            <a:spAutoFit/>
+          </a:bodyPr>
+          <a:lstStyle/>
+          <a:p>
+            <a:pPr algn="just"/>
+            <a:r>
+              <a:rPr lang="en-US" sz="2400" b="1" dirty="0" err="1">
+                <a:latin typeface="Times New Roman" panose="02020603050405020304" pitchFamily="18" charset="0"/>
+                <a:cs typeface="Times New Roman" panose="02020603050405020304" pitchFamily="18" charset="0"/>
+              </a:rPr>
+              <a:t>DataForge</a:t>
+            </a:r>
+            <a:r>
+              <a:rPr lang="en-US" sz="2400" dirty="0">
+                <a:latin typeface="Times New Roman" panose="02020603050405020304" pitchFamily="18" charset="0"/>
+                <a:cs typeface="Times New Roman" panose="02020603050405020304" pitchFamily="18" charset="0"/>
+              </a:rPr>
+              <a:t> excels across diverse datasets (</a:t>
+            </a:r>
+            <a:r>
+              <a:rPr lang="en-US" sz="2400" dirty="0" err="1">
+                <a:latin typeface="Times New Roman" panose="02020603050405020304" pitchFamily="18" charset="0"/>
+                <a:cs typeface="Times New Roman" panose="02020603050405020304" pitchFamily="18" charset="0"/>
+              </a:rPr>
+              <a:t>AdventureWorksDW</a:t>
+            </a:r>
+            <a:r>
+              <a:rPr lang="en-US" sz="2400" dirty="0">
+                <a:latin typeface="Times New Roman" panose="02020603050405020304" pitchFamily="18" charset="0"/>
+                <a:cs typeface="Times New Roman" panose="02020603050405020304" pitchFamily="18" charset="0"/>
+              </a:rPr>
+              <a:t>, </a:t>
+            </a:r>
+            <a:r>
+              <a:rPr lang="en-US" sz="2400" dirty="0" err="1">
+                <a:latin typeface="Times New Roman" panose="02020603050405020304" pitchFamily="18" charset="0"/>
+                <a:cs typeface="Times New Roman" panose="02020603050405020304" pitchFamily="18" charset="0"/>
+              </a:rPr>
+              <a:t>ShopSmart</a:t>
+            </a:r>
+            <a:r>
+              <a:rPr lang="en-US" sz="2400" dirty="0">
+                <a:latin typeface="Times New Roman" panose="02020603050405020304" pitchFamily="18" charset="0"/>
+                <a:cs typeface="Times New Roman" panose="02020603050405020304" pitchFamily="18" charset="0"/>
+              </a:rPr>
+              <a:t>, TPC-DS), achieving 96% parsing accuracy for complex SQL DDL and 92% domain detection accuracy, adapting to contexts like retail and healthcare. It generates 100-table schemas in under 5s (e.g., 4.0s for </a:t>
+            </a:r>
+            <a:r>
+              <a:rPr lang="en-US" sz="2400" dirty="0" err="1">
+                <a:latin typeface="Times New Roman" panose="02020603050405020304" pitchFamily="18" charset="0"/>
+                <a:cs typeface="Times New Roman" panose="02020603050405020304" pitchFamily="18" charset="0"/>
+              </a:rPr>
+              <a:t>ShopSmart</a:t>
+            </a:r>
+            <a:r>
+              <a:rPr lang="en-US" sz="2400" dirty="0">
+                <a:latin typeface="Times New Roman" panose="02020603050405020304" pitchFamily="18" charset="0"/>
+                <a:cs typeface="Times New Roman" panose="02020603050405020304" pitchFamily="18" charset="0"/>
+              </a:rPr>
+              <a:t>), far surpassing manual methods. Interactive visualization renders 50-node schemas in 2s, ensuring seamless user interaction. User testing (n=10) yields a 4.2/5.0 satisfaction score, with 90% praising real-time validation and editing. Error reduction reaches 80%, AI enhancements improve schema quality by 5.1%, and compliance with dimensional modeling best practices rises to 75.6%. </a:t>
+            </a:r>
+            <a:r>
+              <a:rPr lang="en-US" sz="2400" b="1" dirty="0" err="1">
+                <a:latin typeface="Times New Roman" panose="02020603050405020304" pitchFamily="18" charset="0"/>
+                <a:cs typeface="Times New Roman" panose="02020603050405020304" pitchFamily="18" charset="0"/>
+              </a:rPr>
+              <a:t>DataForge</a:t>
+            </a:r>
+            <a:r>
+              <a:rPr lang="en-US" sz="2400" dirty="0">
+                <a:latin typeface="Times New Roman" panose="02020603050405020304" pitchFamily="18" charset="0"/>
+                <a:cs typeface="Times New Roman" panose="02020603050405020304" pitchFamily="18" charset="0"/>
+              </a:rPr>
+              <a:t> supports multiple SQL dialects and ensures robust referential integrity, enabling scalable, reliable data warehousing for efficient analytics.</a:t>
             </a:r>
           </a:p>
         </p:txBody>
